--- a/Genetic_Algorithm_documentation/Решение задачи Хейльбронна для треугольников в пространстве и.pptx
+++ b/Genetic_Algorithm_documentation/Решение задачи Хейльбронна для треугольников в пространстве и.pptx
@@ -177,7 +177,7 @@
           </a:lstStyle>
           <a:p>
             <a:r>
-              <a:rPr lang="ru-RU" smtClean="0"/>
+              <a:rPr lang="ru-RU"/>
               <a:t>Образец заголовка</a:t>
             </a:r>
             <a:endParaRPr lang="en-US" dirty="0"/>
@@ -242,7 +242,7 @@
           </a:lstStyle>
           <a:p>
             <a:r>
-              <a:rPr lang="ru-RU" smtClean="0"/>
+              <a:rPr lang="ru-RU"/>
               <a:t>Образец подзаголовка</a:t>
             </a:r>
             <a:endParaRPr lang="en-US" dirty="0"/>
@@ -266,7 +266,7 @@
           <a:p>
             <a:fld id="{0339B504-E2C2-445B-BD6F-38983266240E}" type="datetimeFigureOut">
               <a:rPr lang="ru-RU" smtClean="0"/>
-              <a:t>19.04.2021</a:t>
+              <a:t>03.04.2022</a:t>
             </a:fld>
             <a:endParaRPr lang="ru-RU"/>
           </a:p>
@@ -360,7 +360,7 @@
           <a:lstStyle/>
           <a:p>
             <a:r>
-              <a:rPr lang="ru-RU" smtClean="0"/>
+              <a:rPr lang="ru-RU"/>
               <a:t>Образец заголовка</a:t>
             </a:r>
             <a:endParaRPr lang="en-US" dirty="0"/>
@@ -384,35 +384,35 @@
           <a:p>
             <a:pPr lvl="0"/>
             <a:r>
-              <a:rPr lang="ru-RU" smtClean="0"/>
+              <a:rPr lang="ru-RU"/>
               <a:t>Образец текста</a:t>
             </a:r>
           </a:p>
           <a:p>
             <a:pPr lvl="1"/>
             <a:r>
-              <a:rPr lang="ru-RU" smtClean="0"/>
+              <a:rPr lang="ru-RU"/>
               <a:t>Второй уровень</a:t>
             </a:r>
           </a:p>
           <a:p>
             <a:pPr lvl="2"/>
             <a:r>
-              <a:rPr lang="ru-RU" smtClean="0"/>
+              <a:rPr lang="ru-RU"/>
               <a:t>Третий уровень</a:t>
             </a:r>
           </a:p>
           <a:p>
             <a:pPr lvl="3"/>
             <a:r>
-              <a:rPr lang="ru-RU" smtClean="0"/>
+              <a:rPr lang="ru-RU"/>
               <a:t>Четвертый уровень</a:t>
             </a:r>
           </a:p>
           <a:p>
             <a:pPr lvl="4"/>
             <a:r>
-              <a:rPr lang="ru-RU" smtClean="0"/>
+              <a:rPr lang="ru-RU"/>
               <a:t>Пятый уровень</a:t>
             </a:r>
             <a:endParaRPr lang="en-US" dirty="0"/>
@@ -436,7 +436,7 @@
           <a:p>
             <a:fld id="{0339B504-E2C2-445B-BD6F-38983266240E}" type="datetimeFigureOut">
               <a:rPr lang="ru-RU" smtClean="0"/>
-              <a:t>19.04.2021</a:t>
+              <a:t>03.04.2022</a:t>
             </a:fld>
             <a:endParaRPr lang="ru-RU"/>
           </a:p>
@@ -535,7 +535,7 @@
           <a:lstStyle/>
           <a:p>
             <a:r>
-              <a:rPr lang="ru-RU" smtClean="0"/>
+              <a:rPr lang="ru-RU"/>
               <a:t>Образец заголовка</a:t>
             </a:r>
             <a:endParaRPr lang="en-US" dirty="0"/>
@@ -564,35 +564,35 @@
           <a:p>
             <a:pPr lvl="0"/>
             <a:r>
-              <a:rPr lang="ru-RU" smtClean="0"/>
+              <a:rPr lang="ru-RU"/>
               <a:t>Образец текста</a:t>
             </a:r>
           </a:p>
           <a:p>
             <a:pPr lvl="1"/>
             <a:r>
-              <a:rPr lang="ru-RU" smtClean="0"/>
+              <a:rPr lang="ru-RU"/>
               <a:t>Второй уровень</a:t>
             </a:r>
           </a:p>
           <a:p>
             <a:pPr lvl="2"/>
             <a:r>
-              <a:rPr lang="ru-RU" smtClean="0"/>
+              <a:rPr lang="ru-RU"/>
               <a:t>Третий уровень</a:t>
             </a:r>
           </a:p>
           <a:p>
             <a:pPr lvl="3"/>
             <a:r>
-              <a:rPr lang="ru-RU" smtClean="0"/>
+              <a:rPr lang="ru-RU"/>
               <a:t>Четвертый уровень</a:t>
             </a:r>
           </a:p>
           <a:p>
             <a:pPr lvl="4"/>
             <a:r>
-              <a:rPr lang="ru-RU" smtClean="0"/>
+              <a:rPr lang="ru-RU"/>
               <a:t>Пятый уровень</a:t>
             </a:r>
             <a:endParaRPr lang="en-US" dirty="0"/>
@@ -616,7 +616,7 @@
           <a:p>
             <a:fld id="{0339B504-E2C2-445B-BD6F-38983266240E}" type="datetimeFigureOut">
               <a:rPr lang="ru-RU" smtClean="0"/>
-              <a:t>19.04.2021</a:t>
+              <a:t>03.04.2022</a:t>
             </a:fld>
             <a:endParaRPr lang="ru-RU"/>
           </a:p>
@@ -710,7 +710,7 @@
           <a:lstStyle/>
           <a:p>
             <a:r>
-              <a:rPr lang="ru-RU" smtClean="0"/>
+              <a:rPr lang="ru-RU"/>
               <a:t>Образец заголовка</a:t>
             </a:r>
             <a:endParaRPr lang="en-US" dirty="0"/>
@@ -734,35 +734,35 @@
           <a:p>
             <a:pPr lvl="0"/>
             <a:r>
-              <a:rPr lang="ru-RU" smtClean="0"/>
+              <a:rPr lang="ru-RU"/>
               <a:t>Образец текста</a:t>
             </a:r>
           </a:p>
           <a:p>
             <a:pPr lvl="1"/>
             <a:r>
-              <a:rPr lang="ru-RU" smtClean="0"/>
+              <a:rPr lang="ru-RU"/>
               <a:t>Второй уровень</a:t>
             </a:r>
           </a:p>
           <a:p>
             <a:pPr lvl="2"/>
             <a:r>
-              <a:rPr lang="ru-RU" smtClean="0"/>
+              <a:rPr lang="ru-RU"/>
               <a:t>Третий уровень</a:t>
             </a:r>
           </a:p>
           <a:p>
             <a:pPr lvl="3"/>
             <a:r>
-              <a:rPr lang="ru-RU" smtClean="0"/>
+              <a:rPr lang="ru-RU"/>
               <a:t>Четвертый уровень</a:t>
             </a:r>
           </a:p>
           <a:p>
             <a:pPr lvl="4"/>
             <a:r>
-              <a:rPr lang="ru-RU" smtClean="0"/>
+              <a:rPr lang="ru-RU"/>
               <a:t>Пятый уровень</a:t>
             </a:r>
             <a:endParaRPr lang="en-US" dirty="0"/>
@@ -786,7 +786,7 @@
           <a:p>
             <a:fld id="{0339B504-E2C2-445B-BD6F-38983266240E}" type="datetimeFigureOut">
               <a:rPr lang="ru-RU" smtClean="0"/>
-              <a:t>19.04.2021</a:t>
+              <a:t>03.04.2022</a:t>
             </a:fld>
             <a:endParaRPr lang="ru-RU"/>
           </a:p>
@@ -889,7 +889,7 @@
           </a:lstStyle>
           <a:p>
             <a:r>
-              <a:rPr lang="ru-RU" smtClean="0"/>
+              <a:rPr lang="ru-RU"/>
               <a:t>Образец заголовка</a:t>
             </a:r>
             <a:endParaRPr lang="en-US" dirty="0"/>
@@ -1009,7 +1009,7 @@
           <a:p>
             <a:pPr lvl="0"/>
             <a:r>
-              <a:rPr lang="ru-RU" smtClean="0"/>
+              <a:rPr lang="ru-RU"/>
               <a:t>Образец текста</a:t>
             </a:r>
           </a:p>
@@ -1032,7 +1032,7 @@
           <a:p>
             <a:fld id="{0339B504-E2C2-445B-BD6F-38983266240E}" type="datetimeFigureOut">
               <a:rPr lang="ru-RU" smtClean="0"/>
-              <a:t>19.04.2021</a:t>
+              <a:t>03.04.2022</a:t>
             </a:fld>
             <a:endParaRPr lang="ru-RU"/>
           </a:p>
@@ -1126,7 +1126,7 @@
           <a:lstStyle/>
           <a:p>
             <a:r>
-              <a:rPr lang="ru-RU" smtClean="0"/>
+              <a:rPr lang="ru-RU"/>
               <a:t>Образец заголовка</a:t>
             </a:r>
             <a:endParaRPr lang="en-US" dirty="0"/>
@@ -1155,35 +1155,35 @@
           <a:p>
             <a:pPr lvl="0"/>
             <a:r>
-              <a:rPr lang="ru-RU" smtClean="0"/>
+              <a:rPr lang="ru-RU"/>
               <a:t>Образец текста</a:t>
             </a:r>
           </a:p>
           <a:p>
             <a:pPr lvl="1"/>
             <a:r>
-              <a:rPr lang="ru-RU" smtClean="0"/>
+              <a:rPr lang="ru-RU"/>
               <a:t>Второй уровень</a:t>
             </a:r>
           </a:p>
           <a:p>
             <a:pPr lvl="2"/>
             <a:r>
-              <a:rPr lang="ru-RU" smtClean="0"/>
+              <a:rPr lang="ru-RU"/>
               <a:t>Третий уровень</a:t>
             </a:r>
           </a:p>
           <a:p>
             <a:pPr lvl="3"/>
             <a:r>
-              <a:rPr lang="ru-RU" smtClean="0"/>
+              <a:rPr lang="ru-RU"/>
               <a:t>Четвертый уровень</a:t>
             </a:r>
           </a:p>
           <a:p>
             <a:pPr lvl="4"/>
             <a:r>
-              <a:rPr lang="ru-RU" smtClean="0"/>
+              <a:rPr lang="ru-RU"/>
               <a:t>Пятый уровень</a:t>
             </a:r>
             <a:endParaRPr lang="en-US" dirty="0"/>
@@ -1212,35 +1212,35 @@
           <a:p>
             <a:pPr lvl="0"/>
             <a:r>
-              <a:rPr lang="ru-RU" smtClean="0"/>
+              <a:rPr lang="ru-RU"/>
               <a:t>Образец текста</a:t>
             </a:r>
           </a:p>
           <a:p>
             <a:pPr lvl="1"/>
             <a:r>
-              <a:rPr lang="ru-RU" smtClean="0"/>
+              <a:rPr lang="ru-RU"/>
               <a:t>Второй уровень</a:t>
             </a:r>
           </a:p>
           <a:p>
             <a:pPr lvl="2"/>
             <a:r>
-              <a:rPr lang="ru-RU" smtClean="0"/>
+              <a:rPr lang="ru-RU"/>
               <a:t>Третий уровень</a:t>
             </a:r>
           </a:p>
           <a:p>
             <a:pPr lvl="3"/>
             <a:r>
-              <a:rPr lang="ru-RU" smtClean="0"/>
+              <a:rPr lang="ru-RU"/>
               <a:t>Четвертый уровень</a:t>
             </a:r>
           </a:p>
           <a:p>
             <a:pPr lvl="4"/>
             <a:r>
-              <a:rPr lang="ru-RU" smtClean="0"/>
+              <a:rPr lang="ru-RU"/>
               <a:t>Пятый уровень</a:t>
             </a:r>
             <a:endParaRPr lang="en-US" dirty="0"/>
@@ -1264,7 +1264,7 @@
           <a:p>
             <a:fld id="{0339B504-E2C2-445B-BD6F-38983266240E}" type="datetimeFigureOut">
               <a:rPr lang="ru-RU" smtClean="0"/>
-              <a:t>19.04.2021</a:t>
+              <a:t>03.04.2022</a:t>
             </a:fld>
             <a:endParaRPr lang="ru-RU"/>
           </a:p>
@@ -1363,7 +1363,7 @@
           <a:lstStyle/>
           <a:p>
             <a:r>
-              <a:rPr lang="ru-RU" smtClean="0"/>
+              <a:rPr lang="ru-RU"/>
               <a:t>Образец заголовка</a:t>
             </a:r>
             <a:endParaRPr lang="en-US" dirty="0"/>
@@ -1429,7 +1429,7 @@
           <a:p>
             <a:pPr lvl="0"/>
             <a:r>
-              <a:rPr lang="ru-RU" smtClean="0"/>
+              <a:rPr lang="ru-RU"/>
               <a:t>Образец текста</a:t>
             </a:r>
           </a:p>
@@ -1457,35 +1457,35 @@
           <a:p>
             <a:pPr lvl="0"/>
             <a:r>
-              <a:rPr lang="ru-RU" smtClean="0"/>
+              <a:rPr lang="ru-RU"/>
               <a:t>Образец текста</a:t>
             </a:r>
           </a:p>
           <a:p>
             <a:pPr lvl="1"/>
             <a:r>
-              <a:rPr lang="ru-RU" smtClean="0"/>
+              <a:rPr lang="ru-RU"/>
               <a:t>Второй уровень</a:t>
             </a:r>
           </a:p>
           <a:p>
             <a:pPr lvl="2"/>
             <a:r>
-              <a:rPr lang="ru-RU" smtClean="0"/>
+              <a:rPr lang="ru-RU"/>
               <a:t>Третий уровень</a:t>
             </a:r>
           </a:p>
           <a:p>
             <a:pPr lvl="3"/>
             <a:r>
-              <a:rPr lang="ru-RU" smtClean="0"/>
+              <a:rPr lang="ru-RU"/>
               <a:t>Четвертый уровень</a:t>
             </a:r>
           </a:p>
           <a:p>
             <a:pPr lvl="4"/>
             <a:r>
-              <a:rPr lang="ru-RU" smtClean="0"/>
+              <a:rPr lang="ru-RU"/>
               <a:t>Пятый уровень</a:t>
             </a:r>
             <a:endParaRPr lang="en-US" dirty="0"/>
@@ -1551,7 +1551,7 @@
           <a:p>
             <a:pPr lvl="0"/>
             <a:r>
-              <a:rPr lang="ru-RU" smtClean="0"/>
+              <a:rPr lang="ru-RU"/>
               <a:t>Образец текста</a:t>
             </a:r>
           </a:p>
@@ -1579,35 +1579,35 @@
           <a:p>
             <a:pPr lvl="0"/>
             <a:r>
-              <a:rPr lang="ru-RU" smtClean="0"/>
+              <a:rPr lang="ru-RU"/>
               <a:t>Образец текста</a:t>
             </a:r>
           </a:p>
           <a:p>
             <a:pPr lvl="1"/>
             <a:r>
-              <a:rPr lang="ru-RU" smtClean="0"/>
+              <a:rPr lang="ru-RU"/>
               <a:t>Второй уровень</a:t>
             </a:r>
           </a:p>
           <a:p>
             <a:pPr lvl="2"/>
             <a:r>
-              <a:rPr lang="ru-RU" smtClean="0"/>
+              <a:rPr lang="ru-RU"/>
               <a:t>Третий уровень</a:t>
             </a:r>
           </a:p>
           <a:p>
             <a:pPr lvl="3"/>
             <a:r>
-              <a:rPr lang="ru-RU" smtClean="0"/>
+              <a:rPr lang="ru-RU"/>
               <a:t>Четвертый уровень</a:t>
             </a:r>
           </a:p>
           <a:p>
             <a:pPr lvl="4"/>
             <a:r>
-              <a:rPr lang="ru-RU" smtClean="0"/>
+              <a:rPr lang="ru-RU"/>
               <a:t>Пятый уровень</a:t>
             </a:r>
             <a:endParaRPr lang="en-US" dirty="0"/>
@@ -1631,7 +1631,7 @@
           <a:p>
             <a:fld id="{0339B504-E2C2-445B-BD6F-38983266240E}" type="datetimeFigureOut">
               <a:rPr lang="ru-RU" smtClean="0"/>
-              <a:t>19.04.2021</a:t>
+              <a:t>03.04.2022</a:t>
             </a:fld>
             <a:endParaRPr lang="ru-RU"/>
           </a:p>
@@ -1725,7 +1725,7 @@
           <a:lstStyle/>
           <a:p>
             <a:r>
-              <a:rPr lang="ru-RU" smtClean="0"/>
+              <a:rPr lang="ru-RU"/>
               <a:t>Образец заголовка</a:t>
             </a:r>
             <a:endParaRPr lang="en-US" dirty="0"/>
@@ -1749,7 +1749,7 @@
           <a:p>
             <a:fld id="{0339B504-E2C2-445B-BD6F-38983266240E}" type="datetimeFigureOut">
               <a:rPr lang="ru-RU" smtClean="0"/>
-              <a:t>19.04.2021</a:t>
+              <a:t>03.04.2022</a:t>
             </a:fld>
             <a:endParaRPr lang="ru-RU"/>
           </a:p>
@@ -1844,7 +1844,7 @@
           <a:p>
             <a:fld id="{0339B504-E2C2-445B-BD6F-38983266240E}" type="datetimeFigureOut">
               <a:rPr lang="ru-RU" smtClean="0"/>
-              <a:t>19.04.2021</a:t>
+              <a:t>03.04.2022</a:t>
             </a:fld>
             <a:endParaRPr lang="ru-RU"/>
           </a:p>
@@ -1947,7 +1947,7 @@
           </a:lstStyle>
           <a:p>
             <a:r>
-              <a:rPr lang="ru-RU" smtClean="0"/>
+              <a:rPr lang="ru-RU"/>
               <a:t>Образец заголовка</a:t>
             </a:r>
             <a:endParaRPr lang="en-US" dirty="0"/>
@@ -2004,35 +2004,35 @@
           <a:p>
             <a:pPr lvl="0"/>
             <a:r>
-              <a:rPr lang="ru-RU" smtClean="0"/>
+              <a:rPr lang="ru-RU"/>
               <a:t>Образец текста</a:t>
             </a:r>
           </a:p>
           <a:p>
             <a:pPr lvl="1"/>
             <a:r>
-              <a:rPr lang="ru-RU" smtClean="0"/>
+              <a:rPr lang="ru-RU"/>
               <a:t>Второй уровень</a:t>
             </a:r>
           </a:p>
           <a:p>
             <a:pPr lvl="2"/>
             <a:r>
-              <a:rPr lang="ru-RU" smtClean="0"/>
+              <a:rPr lang="ru-RU"/>
               <a:t>Третий уровень</a:t>
             </a:r>
           </a:p>
           <a:p>
             <a:pPr lvl="3"/>
             <a:r>
-              <a:rPr lang="ru-RU" smtClean="0"/>
+              <a:rPr lang="ru-RU"/>
               <a:t>Четвертый уровень</a:t>
             </a:r>
           </a:p>
           <a:p>
             <a:pPr lvl="4"/>
             <a:r>
-              <a:rPr lang="ru-RU" smtClean="0"/>
+              <a:rPr lang="ru-RU"/>
               <a:t>Пятый уровень</a:t>
             </a:r>
             <a:endParaRPr lang="en-US" dirty="0"/>
@@ -2098,7 +2098,7 @@
           <a:p>
             <a:pPr lvl="0"/>
             <a:r>
-              <a:rPr lang="ru-RU" smtClean="0"/>
+              <a:rPr lang="ru-RU"/>
               <a:t>Образец текста</a:t>
             </a:r>
           </a:p>
@@ -2121,7 +2121,7 @@
           <a:p>
             <a:fld id="{0339B504-E2C2-445B-BD6F-38983266240E}" type="datetimeFigureOut">
               <a:rPr lang="ru-RU" smtClean="0"/>
-              <a:t>19.04.2021</a:t>
+              <a:t>03.04.2022</a:t>
             </a:fld>
             <a:endParaRPr lang="ru-RU"/>
           </a:p>
@@ -2224,7 +2224,7 @@
           </a:lstStyle>
           <a:p>
             <a:r>
-              <a:rPr lang="ru-RU" smtClean="0"/>
+              <a:rPr lang="ru-RU"/>
               <a:t>Образец заголовка</a:t>
             </a:r>
             <a:endParaRPr lang="en-US" dirty="0"/>
@@ -2289,7 +2289,7 @@
           </a:lstStyle>
           <a:p>
             <a:r>
-              <a:rPr lang="ru-RU" smtClean="0"/>
+              <a:rPr lang="ru-RU"/>
               <a:t>Вставка рисунка</a:t>
             </a:r>
             <a:endParaRPr lang="en-US" dirty="0"/>
@@ -2355,7 +2355,7 @@
           <a:p>
             <a:pPr lvl="0"/>
             <a:r>
-              <a:rPr lang="ru-RU" smtClean="0"/>
+              <a:rPr lang="ru-RU"/>
               <a:t>Образец текста</a:t>
             </a:r>
           </a:p>
@@ -2378,7 +2378,7 @@
           <a:p>
             <a:fld id="{0339B504-E2C2-445B-BD6F-38983266240E}" type="datetimeFigureOut">
               <a:rPr lang="ru-RU" smtClean="0"/>
-              <a:t>19.04.2021</a:t>
+              <a:t>03.04.2022</a:t>
             </a:fld>
             <a:endParaRPr lang="ru-RU"/>
           </a:p>
@@ -2487,7 +2487,7 @@
           <a:lstStyle/>
           <a:p>
             <a:r>
-              <a:rPr lang="ru-RU" smtClean="0"/>
+              <a:rPr lang="ru-RU"/>
               <a:t>Образец заголовка</a:t>
             </a:r>
             <a:endParaRPr lang="en-US" dirty="0"/>
@@ -2521,35 +2521,35 @@
           <a:p>
             <a:pPr lvl="0"/>
             <a:r>
-              <a:rPr lang="ru-RU" smtClean="0"/>
+              <a:rPr lang="ru-RU"/>
               <a:t>Образец текста</a:t>
             </a:r>
           </a:p>
           <a:p>
             <a:pPr lvl="1"/>
             <a:r>
-              <a:rPr lang="ru-RU" smtClean="0"/>
+              <a:rPr lang="ru-RU"/>
               <a:t>Второй уровень</a:t>
             </a:r>
           </a:p>
           <a:p>
             <a:pPr lvl="2"/>
             <a:r>
-              <a:rPr lang="ru-RU" smtClean="0"/>
+              <a:rPr lang="ru-RU"/>
               <a:t>Третий уровень</a:t>
             </a:r>
           </a:p>
           <a:p>
             <a:pPr lvl="3"/>
             <a:r>
-              <a:rPr lang="ru-RU" smtClean="0"/>
+              <a:rPr lang="ru-RU"/>
               <a:t>Четвертый уровень</a:t>
             </a:r>
           </a:p>
           <a:p>
             <a:pPr lvl="4"/>
             <a:r>
-              <a:rPr lang="ru-RU" smtClean="0"/>
+              <a:rPr lang="ru-RU"/>
               <a:t>Пятый уровень</a:t>
             </a:r>
             <a:endParaRPr lang="en-US" dirty="0"/>
@@ -2591,7 +2591,7 @@
           <a:p>
             <a:fld id="{0339B504-E2C2-445B-BD6F-38983266240E}" type="datetimeFigureOut">
               <a:rPr lang="ru-RU" smtClean="0"/>
-              <a:t>19.04.2021</a:t>
+              <a:t>03.04.2022</a:t>
             </a:fld>
             <a:endParaRPr lang="ru-RU"/>
           </a:p>
@@ -3037,25 +3037,7 @@
                 <a:latin typeface="Verdana" panose="020B0604030504040204" pitchFamily="34" charset="0"/>
                 <a:ea typeface="Verdana" panose="020B0604030504040204" pitchFamily="34" charset="0"/>
               </a:rPr>
-              <a:t> для треугольников в пространстве и плоскости через задачу глобальной оптимизации с использованием генетических </a:t>
-            </a:r>
-            <a:r>
-              <a:rPr lang="ru-RU" sz="3600" b="1" dirty="0" smtClean="0">
-                <a:latin typeface="Verdana" panose="020B0604030504040204" pitchFamily="34" charset="0"/>
-                <a:ea typeface="Verdana" panose="020B0604030504040204" pitchFamily="34" charset="0"/>
-              </a:rPr>
-              <a:t>алгоритмов</a:t>
-            </a:r>
-            <a:r>
-              <a:rPr lang="ru-RU" sz="3600" b="1" dirty="0">
-                <a:latin typeface="Verdana" panose="020B0604030504040204" pitchFamily="34" charset="0"/>
-                <a:ea typeface="Verdana" panose="020B0604030504040204" pitchFamily="34" charset="0"/>
-              </a:rPr>
-              <a:t>.</a:t>
-            </a:r>
-            <a:r>
-              <a:rPr lang="ru-RU" sz="4400" dirty="0"/>
-              <a:t/>
+              <a:t> для треугольников в пространстве и плоскости через задачу глобальной оптимизации с использованием генетических алгоритмов.</a:t>
             </a:r>
             <a:br>
               <a:rPr lang="ru-RU" sz="4400" dirty="0"/>
@@ -3076,8 +3058,8 @@
         </p:nvSpPr>
         <p:spPr>
           <a:xfrm>
-            <a:off x="6683433" y="5960226"/>
-            <a:ext cx="5392188" cy="750136"/>
+            <a:off x="6683433" y="6369268"/>
+            <a:ext cx="5392188" cy="341093"/>
           </a:xfrm>
         </p:spPr>
         <p:txBody>
@@ -3085,14 +3067,14 @@
           <a:lstStyle/>
           <a:p>
             <a:r>
-              <a:rPr lang="ru-RU" sz="1800" dirty="0" smtClean="0">
+              <a:rPr lang="ru-RU" sz="1800" dirty="0">
                 <a:latin typeface="Verdana" panose="020B0604030504040204" pitchFamily="34" charset="0"/>
                 <a:ea typeface="Verdana" panose="020B0604030504040204" pitchFamily="34" charset="0"/>
               </a:rPr>
               <a:t>Автор</a:t>
             </a:r>
             <a:r>
-              <a:rPr lang="en-US" sz="1800" dirty="0" smtClean="0">
+              <a:rPr lang="en-US" sz="1800" dirty="0">
                 <a:latin typeface="Verdana" panose="020B0604030504040204" pitchFamily="34" charset="0"/>
                 <a:ea typeface="Verdana" panose="020B0604030504040204" pitchFamily="34" charset="0"/>
               </a:rPr>
@@ -3103,55 +3085,15 @@
                 <a:latin typeface="Verdana" panose="020B0604030504040204" pitchFamily="34" charset="0"/>
                 <a:ea typeface="Verdana" panose="020B0604030504040204" pitchFamily="34" charset="0"/>
               </a:rPr>
-              <a:t> </a:t>
-            </a:r>
-            <a:r>
-              <a:rPr lang="ru-RU" sz="1800" dirty="0" smtClean="0">
-                <a:latin typeface="Verdana" panose="020B0604030504040204" pitchFamily="34" charset="0"/>
-                <a:ea typeface="Verdana" panose="020B0604030504040204" pitchFamily="34" charset="0"/>
-              </a:rPr>
-              <a:t>Рахимов Анвар </a:t>
-            </a:r>
-            <a:r>
-              <a:rPr lang="ru-RU" sz="1800" dirty="0" err="1" smtClean="0">
+              <a:t> Рахимов Анвар </a:t>
+            </a:r>
+            <a:r>
+              <a:rPr lang="ru-RU" sz="1800" dirty="0" err="1">
                 <a:latin typeface="Verdana" panose="020B0604030504040204" pitchFamily="34" charset="0"/>
                 <a:ea typeface="Verdana" panose="020B0604030504040204" pitchFamily="34" charset="0"/>
               </a:rPr>
               <a:t>Далерович</a:t>
             </a:r>
-            <a:endParaRPr lang="ru-RU" sz="1800" dirty="0">
-              <a:latin typeface="Verdana" panose="020B0604030504040204" pitchFamily="34" charset="0"/>
-              <a:ea typeface="Verdana" panose="020B0604030504040204" pitchFamily="34" charset="0"/>
-            </a:endParaRPr>
-          </a:p>
-          <a:p>
-            <a:r>
-              <a:rPr lang="ru-RU" sz="1800" dirty="0" smtClean="0">
-                <a:latin typeface="Verdana" panose="020B0604030504040204" pitchFamily="34" charset="0"/>
-                <a:ea typeface="Verdana" panose="020B0604030504040204" pitchFamily="34" charset="0"/>
-              </a:rPr>
-              <a:t>Руководитель</a:t>
-            </a:r>
-            <a:r>
-              <a:rPr lang="en-US" sz="1800" dirty="0" smtClean="0">
-                <a:latin typeface="Verdana" panose="020B0604030504040204" pitchFamily="34" charset="0"/>
-                <a:ea typeface="Verdana" panose="020B0604030504040204" pitchFamily="34" charset="0"/>
-              </a:rPr>
-              <a:t>: </a:t>
-            </a:r>
-            <a:r>
-              <a:rPr lang="ru-RU" sz="1800" dirty="0" smtClean="0">
-                <a:latin typeface="Verdana" panose="020B0604030504040204" pitchFamily="34" charset="0"/>
-                <a:ea typeface="Verdana" panose="020B0604030504040204" pitchFamily="34" charset="0"/>
-              </a:rPr>
-              <a:t>Сергиенко Антон Борисович</a:t>
-            </a:r>
-            <a:endParaRPr lang="en-US" sz="1800" dirty="0" smtClean="0">
-              <a:latin typeface="Verdana" panose="020B0604030504040204" pitchFamily="34" charset="0"/>
-              <a:ea typeface="Verdana" panose="020B0604030504040204" pitchFamily="34" charset="0"/>
-            </a:endParaRPr>
-          </a:p>
-          <a:p>
             <a:endParaRPr lang="ru-RU" dirty="0"/>
           </a:p>
         </p:txBody>
@@ -3166,13 +3108,6 @@
   <p:clrMapOvr>
     <a:masterClrMapping/>
   </p:clrMapOvr>
-  <p:timing>
-    <p:tnLst>
-      <p:par>
-        <p:cTn id="1" dur="indefinite" restart="never" nodeType="tmRoot"/>
-      </p:par>
-    </p:tnLst>
-  </p:timing>
 </p:sld>
 </file>
 
@@ -3209,16 +3144,12 @@
           <a:lstStyle/>
           <a:p>
             <a:r>
-              <a:rPr lang="ru-RU" dirty="0" smtClean="0">
+              <a:rPr lang="ru-RU" dirty="0">
                 <a:latin typeface="Verdana" panose="020B0604030504040204" pitchFamily="34" charset="0"/>
                 <a:ea typeface="Verdana" panose="020B0604030504040204" pitchFamily="34" charset="0"/>
               </a:rPr>
               <a:t>Кроссинговер</a:t>
             </a:r>
-            <a:endParaRPr lang="ru-RU" dirty="0">
-              <a:latin typeface="Verdana" panose="020B0604030504040204" pitchFamily="34" charset="0"/>
-              <a:ea typeface="Verdana" panose="020B0604030504040204" pitchFamily="34" charset="0"/>
-            </a:endParaRPr>
           </a:p>
         </p:txBody>
       </p:sp>
@@ -3236,8 +3167,8 @@
             </p:nvSpPr>
             <p:spPr>
               <a:xfrm>
-                <a:off x="6132513" y="1873725"/>
-                <a:ext cx="6096000" cy="3653847"/>
+                <a:off x="6201103" y="1699721"/>
+                <a:ext cx="5791450" cy="3653847"/>
               </a:xfrm>
             </p:spPr>
             <p:txBody>
@@ -3247,7 +3178,7 @@
               <a:lstStyle/>
               <a:p>
                 <a:r>
-                  <a:rPr lang="ru-RU" dirty="0" smtClean="0">
+                  <a:rPr lang="ru-RU" dirty="0">
                     <a:latin typeface="Verdana" panose="020B0604030504040204" pitchFamily="34" charset="0"/>
                     <a:ea typeface="Verdana" panose="020B0604030504040204" pitchFamily="34" charset="0"/>
                   </a:rPr>
@@ -3256,7 +3187,7 @@
               </a:p>
               <a:p>
                 <a:r>
-                  <a:rPr lang="ru-RU" dirty="0" smtClean="0">
+                  <a:rPr lang="ru-RU" dirty="0">
                     <a:latin typeface="Verdana" panose="020B0604030504040204" pitchFamily="34" charset="0"/>
                     <a:ea typeface="Verdana" panose="020B0604030504040204" pitchFamily="34" charset="0"/>
                   </a:rPr>
@@ -3271,19 +3202,19 @@
                 <a:pPr marL="0" indent="0">
                   <a:buNone/>
                 </a:pPr>
-                <a:endParaRPr lang="ru-RU" sz="2400" i="1" dirty="0" smtClean="0"/>
+                <a:endParaRPr lang="ru-RU" sz="2400" i="1" dirty="0"/>
               </a:p>
               <a:p>
                 <a:pPr marL="0" indent="0">
                   <a:buNone/>
                 </a:pPr>
-                <a:endParaRPr lang="ru-RU" sz="2400" i="1" dirty="0" smtClean="0"/>
+                <a:endParaRPr lang="ru-RU" sz="2400" i="1" dirty="0"/>
               </a:p>
               <a:p>
                 <a:pPr marL="0" indent="0">
                   <a:buNone/>
                 </a:pPr>
-                <a:endParaRPr lang="ru-RU" sz="2400" i="1" dirty="0" smtClean="0"/>
+                <a:endParaRPr lang="ru-RU" sz="2400" i="1" dirty="0"/>
               </a:p>
               <a:p>
                 <a:pPr marL="0" indent="0">
@@ -3418,13 +3349,13 @@
             </p:nvSpPr>
             <p:spPr>
               <a:xfrm>
-                <a:off x="6132513" y="1873725"/>
-                <a:ext cx="6096000" cy="3653847"/>
+                <a:off x="6201103" y="1699721"/>
+                <a:ext cx="5791450" cy="3653847"/>
               </a:xfrm>
               <a:blipFill>
                 <a:blip r:embed="rId2"/>
                 <a:stretch>
-                  <a:fillRect l="-1800" t="-2833"/>
+                  <a:fillRect l="-1969" t="-3114"/>
                 </a:stretch>
               </a:blipFill>
             </p:spPr>
@@ -3466,8 +3397,8 @@
         </p:blipFill>
         <p:spPr bwMode="auto">
           <a:xfrm>
-            <a:off x="199447" y="4379015"/>
-            <a:ext cx="5167313" cy="2297113"/>
+            <a:off x="838200" y="4108657"/>
+            <a:ext cx="5252562" cy="2417969"/>
           </a:xfrm>
           <a:prstGeom prst="rect">
             <a:avLst/>
@@ -3518,7 +3449,7 @@
         </p:blipFill>
         <p:spPr bwMode="auto">
           <a:xfrm>
-            <a:off x="114198" y="1825867"/>
+            <a:off x="838200" y="1690688"/>
             <a:ext cx="5252562" cy="2417969"/>
           </a:xfrm>
           <a:prstGeom prst="rect">
@@ -3540,13 +3471,6 @@
   <p:clrMapOvr>
     <a:masterClrMapping/>
   </p:clrMapOvr>
-  <p:timing>
-    <p:tnLst>
-      <p:par>
-        <p:cTn id="1" dur="indefinite" restart="never" nodeType="tmRoot"/>
-      </p:par>
-    </p:tnLst>
-  </p:timing>
 </p:sld>
 </file>
 
@@ -3583,16 +3507,12 @@
           <a:lstStyle/>
           <a:p>
             <a:r>
-              <a:rPr lang="ru-RU" dirty="0" smtClean="0">
+              <a:rPr lang="ru-RU" dirty="0">
                 <a:latin typeface="Verdana" panose="020B0604030504040204" pitchFamily="34" charset="0"/>
                 <a:ea typeface="Verdana" panose="020B0604030504040204" pitchFamily="34" charset="0"/>
               </a:rPr>
               <a:t>Модификации</a:t>
             </a:r>
-            <a:endParaRPr lang="ru-RU" dirty="0">
-              <a:latin typeface="Verdana" panose="020B0604030504040204" pitchFamily="34" charset="0"/>
-              <a:ea typeface="Verdana" panose="020B0604030504040204" pitchFamily="34" charset="0"/>
-            </a:endParaRPr>
           </a:p>
         </p:txBody>
       </p:sp>
@@ -3617,14 +3537,14 @@
               <a:buNone/>
             </a:pPr>
             <a:r>
-              <a:rPr lang="ru-RU" dirty="0" smtClean="0">
+              <a:rPr lang="ru-RU" dirty="0">
                 <a:latin typeface="Verdana" panose="020B0604030504040204" pitchFamily="34" charset="0"/>
                 <a:ea typeface="Verdana" panose="020B0604030504040204" pitchFamily="34" charset="0"/>
               </a:rPr>
               <a:t>Минорные модификации</a:t>
             </a:r>
             <a:r>
-              <a:rPr lang="en-US" dirty="0" smtClean="0">
+              <a:rPr lang="en-US" dirty="0">
                 <a:latin typeface="Verdana" panose="020B0604030504040204" pitchFamily="34" charset="0"/>
                 <a:ea typeface="Verdana" panose="020B0604030504040204" pitchFamily="34" charset="0"/>
               </a:rPr>
@@ -3633,36 +3553,22 @@
           </a:p>
           <a:p>
             <a:r>
-              <a:rPr lang="ru-RU" dirty="0" smtClean="0">
-                <a:latin typeface="Verdana" panose="020B0604030504040204" pitchFamily="34" charset="0"/>
-                <a:ea typeface="Verdana" panose="020B0604030504040204" pitchFamily="34" charset="0"/>
-              </a:rPr>
-              <a:t>Добавлены элементы </a:t>
-            </a:r>
-            <a:r>
               <a:rPr lang="ru-RU" dirty="0">
                 <a:latin typeface="Verdana" panose="020B0604030504040204" pitchFamily="34" charset="0"/>
                 <a:ea typeface="Verdana" panose="020B0604030504040204" pitchFamily="34" charset="0"/>
               </a:rPr>
-              <a:t>э</a:t>
-            </a:r>
-            <a:r>
-              <a:rPr lang="ru-RU" dirty="0" smtClean="0">
-                <a:latin typeface="Verdana" panose="020B0604030504040204" pitchFamily="34" charset="0"/>
-                <a:ea typeface="Verdana" panose="020B0604030504040204" pitchFamily="34" charset="0"/>
-              </a:rPr>
-              <a:t>литарной стратегии</a:t>
-            </a:r>
-          </a:p>
-          <a:p>
-            <a:r>
-              <a:rPr lang="ru-RU" dirty="0" smtClean="0">
+              <a:t>Добавлены элементы элитарной стратегии</a:t>
+            </a:r>
+          </a:p>
+          <a:p>
+            <a:r>
+              <a:rPr lang="ru-RU" dirty="0">
                 <a:latin typeface="Verdana" panose="020B0604030504040204" pitchFamily="34" charset="0"/>
                 <a:ea typeface="Verdana" panose="020B0604030504040204" pitchFamily="34" charset="0"/>
               </a:rPr>
               <a:t>Запоминание лучшего индивида</a:t>
             </a:r>
-            <a:endParaRPr lang="en-US" dirty="0" smtClean="0">
+            <a:endParaRPr lang="en-US" dirty="0">
               <a:latin typeface="Verdana" panose="020B0604030504040204" pitchFamily="34" charset="0"/>
               <a:ea typeface="Verdana" panose="020B0604030504040204" pitchFamily="34" charset="0"/>
             </a:endParaRPr>
@@ -3688,14 +3594,14 @@
               <a:buNone/>
             </a:pPr>
             <a:r>
-              <a:rPr lang="ru-RU" dirty="0" smtClean="0">
+              <a:rPr lang="ru-RU" dirty="0">
                 <a:latin typeface="Verdana" panose="020B0604030504040204" pitchFamily="34" charset="0"/>
                 <a:ea typeface="Verdana" panose="020B0604030504040204" pitchFamily="34" charset="0"/>
               </a:rPr>
               <a:t>Симбиоз</a:t>
             </a:r>
             <a:r>
-              <a:rPr lang="en-US" dirty="0" smtClean="0">
+              <a:rPr lang="en-US" dirty="0">
                 <a:latin typeface="Verdana" panose="020B0604030504040204" pitchFamily="34" charset="0"/>
                 <a:ea typeface="Verdana" panose="020B0604030504040204" pitchFamily="34" charset="0"/>
               </a:rPr>
@@ -3704,7 +3610,7 @@
           </a:p>
           <a:p>
             <a:r>
-              <a:rPr lang="ru-RU" dirty="0" smtClean="0">
+              <a:rPr lang="ru-RU" dirty="0">
                 <a:latin typeface="Verdana" panose="020B0604030504040204" pitchFamily="34" charset="0"/>
                 <a:ea typeface="Verdana" panose="020B0604030504040204" pitchFamily="34" charset="0"/>
               </a:rPr>
@@ -3713,16 +3619,12 @@
           </a:p>
           <a:p>
             <a:r>
-              <a:rPr lang="ru-RU" dirty="0" smtClean="0">
+              <a:rPr lang="ru-RU" dirty="0">
                 <a:latin typeface="Verdana" panose="020B0604030504040204" pitchFamily="34" charset="0"/>
                 <a:ea typeface="Verdana" panose="020B0604030504040204" pitchFamily="34" charset="0"/>
               </a:rPr>
               <a:t>Кроссинговер и селекция методом колеса рулетки</a:t>
             </a:r>
-            <a:endParaRPr lang="ru-RU" dirty="0">
-              <a:latin typeface="Verdana" panose="020B0604030504040204" pitchFamily="34" charset="0"/>
-              <a:ea typeface="Verdana" panose="020B0604030504040204" pitchFamily="34" charset="0"/>
-            </a:endParaRPr>
           </a:p>
         </p:txBody>
       </p:sp>
@@ -3736,13 +3638,6 @@
   <p:clrMapOvr>
     <a:masterClrMapping/>
   </p:clrMapOvr>
-  <p:timing>
-    <p:tnLst>
-      <p:par>
-        <p:cTn id="1" dur="indefinite" restart="never" nodeType="tmRoot"/>
-      </p:par>
-    </p:tnLst>
-  </p:timing>
 </p:sld>
 </file>
 
@@ -3781,16 +3676,12 @@
           <a:lstStyle/>
           <a:p>
             <a:r>
-              <a:rPr lang="ru-RU" sz="4400" dirty="0" smtClean="0">
+              <a:rPr lang="ru-RU" sz="4400" dirty="0">
                 <a:latin typeface="Verdana" panose="020B0604030504040204" pitchFamily="34" charset="0"/>
                 <a:ea typeface="Verdana" panose="020B0604030504040204" pitchFamily="34" charset="0"/>
               </a:rPr>
               <a:t>Результаты</a:t>
             </a:r>
-            <a:endParaRPr lang="ru-RU" sz="4400" dirty="0">
-              <a:latin typeface="Verdana" panose="020B0604030504040204" pitchFamily="34" charset="0"/>
-              <a:ea typeface="Verdana" panose="020B0604030504040204" pitchFamily="34" charset="0"/>
-            </a:endParaRPr>
           </a:p>
         </p:txBody>
       </p:sp>
@@ -3804,13 +3695,13 @@
             <p:ph sz="half" idx="1"/>
             <p:extLst>
               <p:ext uri="{D42A27DB-BD31-4B8C-83A1-F6EECF244321}">
-                <p14:modId xmlns:p14="http://schemas.microsoft.com/office/powerpoint/2010/main" val="4113867364"/>
+                <p14:modId xmlns:p14="http://schemas.microsoft.com/office/powerpoint/2010/main" val="625003602"/>
               </p:ext>
             </p:extLst>
           </p:nvPr>
         </p:nvGraphicFramePr>
         <p:xfrm>
-          <a:off x="6173415" y="1690688"/>
+          <a:off x="6096000" y="1690688"/>
           <a:ext cx="5180385" cy="1750174"/>
         </p:xfrm>
         <a:graphic>
@@ -3951,12 +3842,12 @@
                         </a:spcAft>
                       </a:pPr>
                       <a:r>
-                        <a:rPr lang="ru-RU" sz="1200">
+                        <a:rPr lang="ru-RU" sz="1200" dirty="0">
                           <a:effectLst/>
                         </a:rPr>
                         <a:t>До модификаций</a:t>
                       </a:r>
-                      <a:endParaRPr lang="ru-RU" sz="900">
+                      <a:endParaRPr lang="ru-RU" sz="900" dirty="0">
                         <a:effectLst/>
                         <a:latin typeface="Calibri" panose="020F0502020204030204" pitchFamily="34" charset="0"/>
                         <a:ea typeface="Calibri" panose="020F0502020204030204" pitchFamily="34" charset="0"/>
@@ -4252,40 +4143,22 @@
                 <a:latin typeface="Verdana" panose="020B0604030504040204" pitchFamily="34" charset="0"/>
                 <a:ea typeface="Verdana" panose="020B0604030504040204" pitchFamily="34" charset="0"/>
               </a:rPr>
-              <a:t>Модифицированный генетический алгоритм, показавший свою </a:t>
-            </a:r>
-            <a:r>
-              <a:rPr lang="ru-RU" dirty="0" smtClean="0">
-                <a:latin typeface="Verdana" panose="020B0604030504040204" pitchFamily="34" charset="0"/>
-                <a:ea typeface="Verdana" panose="020B0604030504040204" pitchFamily="34" charset="0"/>
-              </a:rPr>
-              <a:t>эффективность, был </a:t>
+              <a:t>Модифицированный генетический алгоритм, показавший свою эффективность, был использован в получении решения проблемы треугольников </a:t>
+            </a:r>
+            <a:r>
+              <a:rPr lang="ru-RU" dirty="0" err="1">
+                <a:latin typeface="Verdana" panose="020B0604030504040204" pitchFamily="34" charset="0"/>
+                <a:ea typeface="Verdana" panose="020B0604030504040204" pitchFamily="34" charset="0"/>
+              </a:rPr>
+              <a:t>Хейльбронна</a:t>
             </a:r>
             <a:r>
               <a:rPr lang="ru-RU" dirty="0">
                 <a:latin typeface="Verdana" panose="020B0604030504040204" pitchFamily="34" charset="0"/>
                 <a:ea typeface="Verdana" panose="020B0604030504040204" pitchFamily="34" charset="0"/>
               </a:rPr>
-              <a:t>использован в получении решения проблемы треугольников </a:t>
-            </a:r>
-            <a:r>
-              <a:rPr lang="ru-RU" dirty="0" err="1" smtClean="0">
-                <a:latin typeface="Verdana" panose="020B0604030504040204" pitchFamily="34" charset="0"/>
-                <a:ea typeface="Verdana" panose="020B0604030504040204" pitchFamily="34" charset="0"/>
-              </a:rPr>
-              <a:t>Хейльбронна</a:t>
-            </a:r>
-            <a:r>
-              <a:rPr lang="ru-RU" dirty="0" smtClean="0">
-                <a:latin typeface="Verdana" panose="020B0604030504040204" pitchFamily="34" charset="0"/>
-                <a:ea typeface="Verdana" panose="020B0604030504040204" pitchFamily="34" charset="0"/>
-              </a:rPr>
               <a:t> в плоскости и пространстве.</a:t>
             </a:r>
-            <a:endParaRPr lang="ru-RU" dirty="0">
-              <a:latin typeface="Verdana" panose="020B0604030504040204" pitchFamily="34" charset="0"/>
-              <a:ea typeface="Verdana" panose="020B0604030504040204" pitchFamily="34" charset="0"/>
-            </a:endParaRPr>
           </a:p>
         </p:txBody>
       </p:sp>
@@ -4299,13 +4172,6 @@
   <p:clrMapOvr>
     <a:masterClrMapping/>
   </p:clrMapOvr>
-  <p:timing>
-    <p:tnLst>
-      <p:par>
-        <p:cTn id="1" dur="indefinite" restart="never" nodeType="tmRoot"/>
-      </p:par>
-    </p:tnLst>
-  </p:timing>
 </p:sld>
 </file>
 
@@ -4611,7 +4477,7 @@
               <a:tabLst/>
             </a:pPr>
             <a:r>
-              <a:rPr kumimoji="0" lang="ru-RU" altLang="ru-RU" sz="1400" b="0" i="0" u="none" strike="noStrike" cap="none" normalizeH="0" baseline="0" dirty="0" smtClean="0">
+              <a:rPr kumimoji="0" lang="ru-RU" altLang="ru-RU" sz="1400" b="0" i="0" u="none" strike="noStrike" cap="none" normalizeH="0" baseline="0" dirty="0">
                 <a:ln>
                   <a:noFill/>
                 </a:ln>
@@ -4625,7 +4491,7 @@
               </a:rPr>
               <a:t>5 точек, площадь = 0.19176</a:t>
             </a:r>
-            <a:endParaRPr kumimoji="0" lang="ru-RU" altLang="ru-RU" sz="800" b="0" i="0" u="none" strike="noStrike" cap="none" normalizeH="0" baseline="0" dirty="0" smtClean="0">
+            <a:endParaRPr kumimoji="0" lang="ru-RU" altLang="ru-RU" sz="800" b="0" i="0" u="none" strike="noStrike" cap="none" normalizeH="0" baseline="0" dirty="0">
               <a:ln>
                 <a:noFill/>
               </a:ln>
@@ -4655,7 +4521,7 @@
               <a:tabLst/>
             </a:pPr>
             <a:r>
-              <a:rPr kumimoji="0" lang="ru-RU" altLang="ru-RU" sz="1400" b="0" i="0" u="none" strike="noStrike" cap="none" normalizeH="0" baseline="0" dirty="0" smtClean="0">
+              <a:rPr kumimoji="0" lang="ru-RU" altLang="ru-RU" sz="1400" b="0" i="0" u="none" strike="noStrike" cap="none" normalizeH="0" baseline="0" dirty="0">
                 <a:ln>
                   <a:noFill/>
                 </a:ln>
@@ -4669,7 +4535,7 @@
               </a:rPr>
               <a:t>6 точек, площадь = 0.1194</a:t>
             </a:r>
-            <a:endParaRPr kumimoji="0" lang="ru-RU" altLang="ru-RU" sz="1800" b="0" i="0" u="none" strike="noStrike" cap="none" normalizeH="0" baseline="0" dirty="0" smtClean="0">
+            <a:endParaRPr kumimoji="0" lang="ru-RU" altLang="ru-RU" sz="1800" b="0" i="0" u="none" strike="noStrike" cap="none" normalizeH="0" baseline="0" dirty="0">
               <a:ln>
                 <a:noFill/>
               </a:ln>
@@ -4706,8 +4572,8 @@
         </p:blipFill>
         <p:spPr bwMode="auto">
           <a:xfrm>
-            <a:off x="6310713" y="3737888"/>
-            <a:ext cx="2933700" cy="2828925"/>
+            <a:off x="6104826" y="3476278"/>
+            <a:ext cx="2857500" cy="3016879"/>
           </a:xfrm>
           <a:prstGeom prst="rect">
             <a:avLst/>
@@ -4747,8 +4613,8 @@
         </p:blipFill>
         <p:spPr bwMode="auto">
           <a:xfrm>
-            <a:off x="6272613" y="428278"/>
-            <a:ext cx="2971800" cy="3048000"/>
+            <a:off x="6104826" y="380654"/>
+            <a:ext cx="2971800" cy="3018234"/>
           </a:xfrm>
           <a:prstGeom prst="rect">
             <a:avLst/>
@@ -4788,8 +4654,8 @@
         </p:blipFill>
         <p:spPr bwMode="auto">
           <a:xfrm>
-            <a:off x="9144000" y="404465"/>
-            <a:ext cx="3048000" cy="3095625"/>
+            <a:off x="8956011" y="380654"/>
+            <a:ext cx="2971800" cy="3018234"/>
           </a:xfrm>
           <a:prstGeom prst="rect">
             <a:avLst/>
@@ -4816,8 +4682,8 @@
         </p:nvSpPr>
         <p:spPr bwMode="auto">
           <a:xfrm>
-            <a:off x="9000075" y="4783018"/>
-            <a:ext cx="3385737" cy="738664"/>
+            <a:off x="8952801" y="4549983"/>
+            <a:ext cx="3239199" cy="738664"/>
           </a:xfrm>
           <a:prstGeom prst="rect">
             <a:avLst/>
@@ -5009,7 +4875,7 @@
               <a:tabLst/>
             </a:pPr>
             <a:r>
-              <a:rPr kumimoji="0" lang="ru-RU" altLang="ru-RU" sz="1400" b="0" i="0" u="none" strike="noStrike" cap="none" normalizeH="0" baseline="0" dirty="0" smtClean="0">
+              <a:rPr kumimoji="0" lang="ru-RU" altLang="ru-RU" sz="1400" b="0" i="0" u="none" strike="noStrike" cap="none" normalizeH="0" baseline="0" dirty="0">
                 <a:ln>
                   <a:noFill/>
                 </a:ln>
@@ -5042,7 +4908,7 @@
               <a:tabLst/>
             </a:pPr>
             <a:r>
-              <a:rPr kumimoji="0" lang="ru-RU" altLang="ru-RU" sz="1400" b="0" i="0" u="none" strike="noStrike" cap="none" normalizeH="0" baseline="0" dirty="0" smtClean="0">
+              <a:rPr kumimoji="0" lang="ru-RU" altLang="ru-RU" sz="1400" b="0" i="0" u="none" strike="noStrike" cap="none" normalizeH="0" baseline="0" dirty="0">
                 <a:ln>
                   <a:noFill/>
                 </a:ln>
@@ -5056,7 +4922,7 @@
               </a:rPr>
               <a:t>7 точек, площадь = 0.05014 </a:t>
             </a:r>
-            <a:endParaRPr kumimoji="0" lang="ru-RU" altLang="ru-RU" sz="800" b="0" i="0" u="none" strike="noStrike" cap="none" normalizeH="0" baseline="0" dirty="0" smtClean="0">
+            <a:endParaRPr kumimoji="0" lang="ru-RU" altLang="ru-RU" sz="800" b="0" i="0" u="none" strike="noStrike" cap="none" normalizeH="0" baseline="0" dirty="0">
               <a:ln>
                 <a:noFill/>
               </a:ln>
@@ -5086,7 +4952,7 @@
               <a:tabLst/>
             </a:pPr>
             <a:r>
-              <a:rPr kumimoji="0" lang="en-US" altLang="ru-RU" sz="1400" b="0" i="0" u="none" strike="noStrike" cap="none" normalizeH="0" baseline="0" dirty="0" smtClean="0">
+              <a:rPr kumimoji="0" lang="en-US" altLang="ru-RU" sz="1400" b="0" i="0" u="none" strike="noStrike" cap="none" normalizeH="0" baseline="0" dirty="0">
                 <a:ln>
                   <a:noFill/>
                 </a:ln>
@@ -5101,7 +4967,7 @@
               <a:t>8 </a:t>
             </a:r>
             <a:r>
-              <a:rPr kumimoji="0" lang="ru-RU" altLang="ru-RU" sz="1400" b="0" i="0" u="none" strike="noStrike" cap="none" normalizeH="0" baseline="0" dirty="0" smtClean="0">
+              <a:rPr kumimoji="0" lang="ru-RU" altLang="ru-RU" sz="1400" b="0" i="0" u="none" strike="noStrike" cap="none" normalizeH="0" baseline="0" dirty="0">
                 <a:ln>
                   <a:noFill/>
                 </a:ln>
@@ -5116,7 +4982,7 @@
               <a:t>точек, площадь </a:t>
             </a:r>
             <a:r>
-              <a:rPr kumimoji="0" lang="en-US" altLang="ru-RU" sz="1400" b="0" i="0" u="none" strike="noStrike" cap="none" normalizeH="0" baseline="0" dirty="0" smtClean="0">
+              <a:rPr kumimoji="0" lang="en-US" altLang="ru-RU" sz="1400" b="0" i="0" u="none" strike="noStrike" cap="none" normalizeH="0" baseline="0" dirty="0">
                 <a:ln>
                   <a:noFill/>
                 </a:ln>
@@ -5130,7 +4996,7 @@
               </a:rPr>
               <a:t>= 0.197192</a:t>
             </a:r>
-            <a:endParaRPr kumimoji="0" lang="ru-RU" altLang="ru-RU" sz="1800" b="0" i="0" u="none" strike="noStrike" cap="none" normalizeH="0" baseline="0" dirty="0" smtClean="0">
+            <a:endParaRPr kumimoji="0" lang="ru-RU" altLang="ru-RU" sz="1800" b="0" i="0" u="none" strike="noStrike" cap="none" normalizeH="0" baseline="0" dirty="0">
               <a:ln>
                 <a:noFill/>
               </a:ln>
@@ -5154,13 +5020,6 @@
   <p:clrMapOvr>
     <a:masterClrMapping/>
   </p:clrMapOvr>
-  <p:timing>
-    <p:tnLst>
-      <p:par>
-        <p:cTn id="1" dur="indefinite" restart="never" nodeType="tmRoot"/>
-      </p:par>
-    </p:tnLst>
-  </p:timing>
 </p:sld>
 </file>
 
@@ -5197,16 +5056,12 @@
           <a:lstStyle/>
           <a:p>
             <a:r>
-              <a:rPr lang="ru-RU" dirty="0" smtClean="0">
+              <a:rPr lang="ru-RU" dirty="0">
                 <a:latin typeface="Verdana" panose="020B0604030504040204" pitchFamily="34" charset="0"/>
                 <a:ea typeface="Verdana" panose="020B0604030504040204" pitchFamily="34" charset="0"/>
               </a:rPr>
               <a:t>На повестке дня</a:t>
             </a:r>
-            <a:endParaRPr lang="ru-RU" dirty="0">
-              <a:latin typeface="Verdana" panose="020B0604030504040204" pitchFamily="34" charset="0"/>
-              <a:ea typeface="Verdana" panose="020B0604030504040204" pitchFamily="34" charset="0"/>
-            </a:endParaRPr>
           </a:p>
         </p:txBody>
       </p:sp>
@@ -5228,27 +5083,27 @@
           <a:lstStyle/>
           <a:p>
             <a:r>
-              <a:rPr lang="ru-RU" sz="3000" dirty="0" smtClean="0">
+              <a:rPr lang="ru-RU" sz="3000" dirty="0">
                 <a:latin typeface="Verdana" panose="020B0604030504040204" pitchFamily="34" charset="0"/>
                 <a:ea typeface="Verdana" panose="020B0604030504040204" pitchFamily="34" charset="0"/>
               </a:rPr>
               <a:t>Проблема треугольников </a:t>
             </a:r>
             <a:r>
-              <a:rPr lang="ru-RU" sz="3000" dirty="0" err="1" smtClean="0">
+              <a:rPr lang="ru-RU" sz="3000" dirty="0" err="1">
                 <a:latin typeface="Verdana" panose="020B0604030504040204" pitchFamily="34" charset="0"/>
                 <a:ea typeface="Verdana" panose="020B0604030504040204" pitchFamily="34" charset="0"/>
               </a:rPr>
               <a:t>Хейльбронна</a:t>
             </a:r>
-            <a:endParaRPr lang="ru-RU" sz="3000" dirty="0" smtClean="0">
+            <a:endParaRPr lang="ru-RU" sz="3000" dirty="0">
               <a:latin typeface="Verdana" panose="020B0604030504040204" pitchFamily="34" charset="0"/>
               <a:ea typeface="Verdana" panose="020B0604030504040204" pitchFamily="34" charset="0"/>
             </a:endParaRPr>
           </a:p>
           <a:p>
             <a:r>
-              <a:rPr lang="ru-RU" sz="3000" dirty="0" smtClean="0">
+              <a:rPr lang="ru-RU" sz="3000" dirty="0">
                 <a:latin typeface="Verdana" panose="020B0604030504040204" pitchFamily="34" charset="0"/>
                 <a:ea typeface="Verdana" panose="020B0604030504040204" pitchFamily="34" charset="0"/>
               </a:rPr>
@@ -5257,7 +5112,7 @@
           </a:p>
           <a:p>
             <a:r>
-              <a:rPr lang="ru-RU" sz="3000" dirty="0" smtClean="0">
+              <a:rPr lang="ru-RU" sz="3000" dirty="0">
                 <a:latin typeface="Verdana" panose="020B0604030504040204" pitchFamily="34" charset="0"/>
                 <a:ea typeface="Verdana" panose="020B0604030504040204" pitchFamily="34" charset="0"/>
               </a:rPr>
@@ -5266,7 +5121,7 @@
           </a:p>
           <a:p>
             <a:r>
-              <a:rPr lang="ru-RU" sz="3000" dirty="0" smtClean="0">
+              <a:rPr lang="ru-RU" sz="3000" dirty="0">
                 <a:latin typeface="Verdana" panose="020B0604030504040204" pitchFamily="34" charset="0"/>
                 <a:ea typeface="Verdana" panose="020B0604030504040204" pitchFamily="34" charset="0"/>
               </a:rPr>
@@ -5275,21 +5130,21 @@
           </a:p>
           <a:p>
             <a:r>
-              <a:rPr lang="ru-RU" sz="3000" dirty="0" smtClean="0">
+              <a:rPr lang="ru-RU" sz="3000" dirty="0">
                 <a:latin typeface="Verdana" panose="020B0604030504040204" pitchFamily="34" charset="0"/>
                 <a:ea typeface="Verdana" panose="020B0604030504040204" pitchFamily="34" charset="0"/>
               </a:rPr>
               <a:t>Проблема треугольников </a:t>
             </a:r>
             <a:r>
-              <a:rPr lang="ru-RU" sz="3000" dirty="0" err="1" smtClean="0">
+              <a:rPr lang="ru-RU" sz="3000" dirty="0" err="1">
                 <a:latin typeface="Verdana" panose="020B0604030504040204" pitchFamily="34" charset="0"/>
                 <a:ea typeface="Verdana" panose="020B0604030504040204" pitchFamily="34" charset="0"/>
               </a:rPr>
               <a:t>Хейльбронна</a:t>
             </a:r>
             <a:r>
-              <a:rPr lang="ru-RU" sz="3000" dirty="0" smtClean="0">
+              <a:rPr lang="ru-RU" sz="3000" dirty="0">
                 <a:latin typeface="Verdana" panose="020B0604030504040204" pitchFamily="34" charset="0"/>
                 <a:ea typeface="Verdana" panose="020B0604030504040204" pitchFamily="34" charset="0"/>
               </a:rPr>
@@ -5308,13 +5163,6 @@
   <p:clrMapOvr>
     <a:masterClrMapping/>
   </p:clrMapOvr>
-  <p:timing>
-    <p:tnLst>
-      <p:par>
-        <p:cTn id="1" dur="indefinite" restart="never" nodeType="tmRoot"/>
-      </p:par>
-    </p:tnLst>
-  </p:timing>
 </p:sld>
 </file>
 
@@ -5351,16 +5199,12 @@
           <a:lstStyle/>
           <a:p>
             <a:r>
-              <a:rPr lang="ru-RU" dirty="0" smtClean="0">
+              <a:rPr lang="ru-RU" dirty="0">
                 <a:latin typeface="Verdana" panose="020B0604030504040204" pitchFamily="34" charset="0"/>
                 <a:ea typeface="Verdana" panose="020B0604030504040204" pitchFamily="34" charset="0"/>
               </a:rPr>
               <a:t>Актуальность работы</a:t>
             </a:r>
-            <a:endParaRPr lang="ru-RU" dirty="0">
-              <a:latin typeface="Verdana" panose="020B0604030504040204" pitchFamily="34" charset="0"/>
-              <a:ea typeface="Verdana" panose="020B0604030504040204" pitchFamily="34" charset="0"/>
-            </a:endParaRPr>
           </a:p>
         </p:txBody>
       </p:sp>
@@ -5400,42 +5244,38 @@
               </a:rPr>
               <a:t>нерешенной </a:t>
             </a:r>
-            <a:endParaRPr lang="ru-RU" b="1" dirty="0" smtClean="0">
-              <a:latin typeface="Verdana" panose="020B0604030504040204" pitchFamily="34" charset="0"/>
-              <a:ea typeface="Verdana" panose="020B0604030504040204" pitchFamily="34" charset="0"/>
-            </a:endParaRPr>
-          </a:p>
-          <a:p>
-            <a:r>
-              <a:rPr lang="ru-RU" dirty="0" smtClean="0">
+          </a:p>
+          <a:p>
+            <a:r>
+              <a:rPr lang="ru-RU" dirty="0">
                 <a:latin typeface="Verdana" panose="020B0604030504040204" pitchFamily="34" charset="0"/>
                 <a:ea typeface="Verdana" panose="020B0604030504040204" pitchFamily="34" charset="0"/>
               </a:rPr>
               <a:t>Использование генетических алгоритмов является </a:t>
             </a:r>
             <a:r>
-              <a:rPr lang="ru-RU" b="1" dirty="0" smtClean="0">
+              <a:rPr lang="ru-RU" b="1" dirty="0">
                 <a:latin typeface="Verdana" panose="020B0604030504040204" pitchFamily="34" charset="0"/>
                 <a:ea typeface="Verdana" panose="020B0604030504040204" pitchFamily="34" charset="0"/>
               </a:rPr>
               <a:t>актуальным</a:t>
             </a:r>
             <a:r>
-              <a:rPr lang="ru-RU" dirty="0" smtClean="0">
+              <a:rPr lang="ru-RU" dirty="0">
                 <a:latin typeface="Verdana" panose="020B0604030504040204" pitchFamily="34" charset="0"/>
                 <a:ea typeface="Verdana" panose="020B0604030504040204" pitchFamily="34" charset="0"/>
               </a:rPr>
               <a:t> и </a:t>
             </a:r>
             <a:r>
-              <a:rPr lang="ru-RU" b="1" dirty="0" smtClean="0">
+              <a:rPr lang="ru-RU" b="1" dirty="0">
                 <a:latin typeface="Verdana" panose="020B0604030504040204" pitchFamily="34" charset="0"/>
                 <a:ea typeface="Verdana" panose="020B0604030504040204" pitchFamily="34" charset="0"/>
               </a:rPr>
               <a:t>современным</a:t>
             </a:r>
             <a:r>
-              <a:rPr lang="ru-RU" dirty="0" smtClean="0">
+              <a:rPr lang="ru-RU" dirty="0">
                 <a:latin typeface="Verdana" panose="020B0604030504040204" pitchFamily="34" charset="0"/>
                 <a:ea typeface="Verdana" panose="020B0604030504040204" pitchFamily="34" charset="0"/>
               </a:rPr>
@@ -5444,18 +5284,11 @@
           </a:p>
           <a:p>
             <a:r>
-              <a:rPr lang="ru-RU" dirty="0" smtClean="0">
-                <a:latin typeface="Verdana" panose="020B0604030504040204" pitchFamily="34" charset="0"/>
-                <a:ea typeface="Verdana" panose="020B0604030504040204" pitchFamily="34" charset="0"/>
-              </a:rPr>
-              <a:t>Генетические </a:t>
-            </a:r>
-            <a:r>
               <a:rPr lang="ru-RU" dirty="0">
                 <a:latin typeface="Verdana" panose="020B0604030504040204" pitchFamily="34" charset="0"/>
                 <a:ea typeface="Verdana" panose="020B0604030504040204" pitchFamily="34" charset="0"/>
               </a:rPr>
-              <a:t>алгоритмы являются </a:t>
+              <a:t>Генетические алгоритмы являются </a:t>
             </a:r>
             <a:r>
               <a:rPr lang="ru-RU" b="1" dirty="0">
@@ -5469,19 +5302,12 @@
                 <a:latin typeface="Verdana" panose="020B0604030504040204" pitchFamily="34" charset="0"/>
                 <a:ea typeface="Verdana" panose="020B0604030504040204" pitchFamily="34" charset="0"/>
               </a:rPr>
-              <a:t> направлением в области искусственного </a:t>
-            </a:r>
-            <a:r>
-              <a:rPr lang="ru-RU" dirty="0" smtClean="0">
-                <a:latin typeface="Verdana" panose="020B0604030504040204" pitchFamily="34" charset="0"/>
-                <a:ea typeface="Verdana" panose="020B0604030504040204" pitchFamily="34" charset="0"/>
-              </a:rPr>
-              <a:t>интеллекта</a:t>
-            </a:r>
-          </a:p>
-          <a:p>
-            <a:r>
-              <a:rPr lang="ru-RU" dirty="0" smtClean="0">
+              <a:t> направлением в области искусственного интеллекта</a:t>
+            </a:r>
+          </a:p>
+          <a:p>
+            <a:r>
+              <a:rPr lang="ru-RU" dirty="0">
                 <a:latin typeface="Verdana" panose="020B0604030504040204" pitchFamily="34" charset="0"/>
                 <a:ea typeface="Verdana" panose="020B0604030504040204" pitchFamily="34" charset="0"/>
               </a:rPr>
@@ -5492,33 +5318,15 @@
                 <a:latin typeface="Verdana" panose="020B0604030504040204" pitchFamily="34" charset="0"/>
                 <a:ea typeface="Verdana" panose="020B0604030504040204" pitchFamily="34" charset="0"/>
               </a:rPr>
-              <a:t>не </a:t>
-            </a:r>
-            <a:r>
-              <a:rPr lang="ru-RU" b="1" dirty="0" smtClean="0">
-                <a:latin typeface="Verdana" panose="020B0604030504040204" pitchFamily="34" charset="0"/>
-                <a:ea typeface="Verdana" panose="020B0604030504040204" pitchFamily="34" charset="0"/>
-              </a:rPr>
-              <a:t>изучено </a:t>
+              <a:t>не изучено </a:t>
             </a:r>
             <a:r>
               <a:rPr lang="ru-RU" dirty="0">
                 <a:latin typeface="Verdana" panose="020B0604030504040204" pitchFamily="34" charset="0"/>
                 <a:ea typeface="Verdana" panose="020B0604030504040204" pitchFamily="34" charset="0"/>
               </a:rPr>
-              <a:t>до </a:t>
-            </a:r>
-            <a:r>
-              <a:rPr lang="ru-RU" dirty="0" smtClean="0">
-                <a:latin typeface="Verdana" panose="020B0604030504040204" pitchFamily="34" charset="0"/>
-                <a:ea typeface="Verdana" panose="020B0604030504040204" pitchFamily="34" charset="0"/>
-              </a:rPr>
-              <a:t>конца</a:t>
-            </a:r>
-            <a:endParaRPr lang="ru-RU" dirty="0">
-              <a:latin typeface="Verdana" panose="020B0604030504040204" pitchFamily="34" charset="0"/>
-              <a:ea typeface="Verdana" panose="020B0604030504040204" pitchFamily="34" charset="0"/>
-            </a:endParaRPr>
+              <a:t>до конца</a:t>
+            </a:r>
           </a:p>
           <a:p>
             <a:endParaRPr lang="ru-RU" dirty="0"/>
@@ -5535,13 +5343,6 @@
   <p:clrMapOvr>
     <a:masterClrMapping/>
   </p:clrMapOvr>
-  <p:timing>
-    <p:tnLst>
-      <p:par>
-        <p:cTn id="1" dur="indefinite" restart="never" nodeType="tmRoot"/>
-      </p:par>
-    </p:tnLst>
-  </p:timing>
 </p:sld>
 </file>
 
@@ -5578,16 +5379,12 @@
           <a:lstStyle/>
           <a:p>
             <a:r>
-              <a:rPr lang="ru-RU" dirty="0" smtClean="0">
+              <a:rPr lang="ru-RU" dirty="0">
                 <a:latin typeface="Verdana" panose="020B0604030504040204" pitchFamily="34" charset="0"/>
                 <a:ea typeface="Verdana" panose="020B0604030504040204" pitchFamily="34" charset="0"/>
               </a:rPr>
               <a:t>Теоретическая новизна работы</a:t>
             </a:r>
-            <a:endParaRPr lang="ru-RU" dirty="0">
-              <a:latin typeface="Verdana" panose="020B0604030504040204" pitchFamily="34" charset="0"/>
-              <a:ea typeface="Verdana" panose="020B0604030504040204" pitchFamily="34" charset="0"/>
-            </a:endParaRPr>
           </a:p>
         </p:txBody>
       </p:sp>
@@ -5614,18 +5411,11 @@
           <a:lstStyle/>
           <a:p>
             <a:r>
-              <a:rPr lang="ru-RU" dirty="0" smtClean="0">
-                <a:latin typeface="Verdana" panose="020B0604030504040204" pitchFamily="34" charset="0"/>
-                <a:ea typeface="Verdana" panose="020B0604030504040204" pitchFamily="34" charset="0"/>
-              </a:rPr>
-              <a:t>Проблема </a:t>
-            </a:r>
-            <a:r>
               <a:rPr lang="ru-RU" dirty="0">
                 <a:latin typeface="Verdana" panose="020B0604030504040204" pitchFamily="34" charset="0"/>
                 <a:ea typeface="Verdana" panose="020B0604030504040204" pitchFamily="34" charset="0"/>
               </a:rPr>
-              <a:t>треугольников </a:t>
+              <a:t>Проблема треугольников </a:t>
             </a:r>
             <a:r>
               <a:rPr lang="ru-RU" dirty="0" err="1">
@@ -5653,38 +5443,35 @@
                 <a:latin typeface="Verdana" panose="020B0604030504040204" pitchFamily="34" charset="0"/>
                 <a:ea typeface="Verdana" panose="020B0604030504040204" pitchFamily="34" charset="0"/>
               </a:rPr>
-              <a:t> в русскоязычных кругах</a:t>
-            </a:r>
-            <a:r>
-              <a:rPr lang="ru-RU" dirty="0" smtClean="0">
-                <a:latin typeface="Verdana" panose="020B0604030504040204" pitchFamily="34" charset="0"/>
-                <a:ea typeface="Verdana" panose="020B0604030504040204" pitchFamily="34" charset="0"/>
-              </a:rPr>
-              <a:t>.</a:t>
-            </a:r>
-          </a:p>
-          <a:p>
-            <a:r>
-              <a:rPr lang="ru-RU" dirty="0" smtClean="0">
-                <a:latin typeface="Verdana" panose="020B0604030504040204" pitchFamily="34" charset="0"/>
-                <a:ea typeface="Verdana" panose="020B0604030504040204" pitchFamily="34" charset="0"/>
-              </a:rPr>
-              <a:t>Закономерности </a:t>
-            </a:r>
+              <a:t> в русскоязычных кругах.</a:t>
+            </a:r>
+          </a:p>
+          <a:p>
             <a:r>
               <a:rPr lang="ru-RU" dirty="0">
                 <a:latin typeface="Verdana" panose="020B0604030504040204" pitchFamily="34" charset="0"/>
                 <a:ea typeface="Verdana" panose="020B0604030504040204" pitchFamily="34" charset="0"/>
               </a:rPr>
-              <a:t>и значения для трехмерного пространства не были еще полностью </a:t>
-            </a:r>
-            <a:r>
-              <a:rPr lang="ru-RU" b="1" dirty="0" smtClean="0">
-                <a:latin typeface="Verdana" panose="020B0604030504040204" pitchFamily="34" charset="0"/>
-                <a:ea typeface="Verdana" panose="020B0604030504040204" pitchFamily="34" charset="0"/>
-              </a:rPr>
-              <a:t>не изучены</a:t>
-            </a:r>
+              <a:t>Закономерности и значения для трехмерного пространства не были </a:t>
+            </a:r>
+            <a:r>
+              <a:rPr lang="ru-RU">
+                <a:latin typeface="Verdana" panose="020B0604030504040204" pitchFamily="34" charset="0"/>
+                <a:ea typeface="Verdana" panose="020B0604030504040204" pitchFamily="34" charset="0"/>
+              </a:rPr>
+              <a:t>еще полностью </a:t>
+            </a:r>
+            <a:r>
+              <a:rPr lang="ru-RU" b="1">
+                <a:latin typeface="Verdana" panose="020B0604030504040204" pitchFamily="34" charset="0"/>
+                <a:ea typeface="Verdana" panose="020B0604030504040204" pitchFamily="34" charset="0"/>
+              </a:rPr>
+              <a:t>изучены</a:t>
+            </a:r>
+            <a:endParaRPr lang="ru-RU" b="1" dirty="0">
+              <a:latin typeface="Verdana" panose="020B0604030504040204" pitchFamily="34" charset="0"/>
+              <a:ea typeface="Verdana" panose="020B0604030504040204" pitchFamily="34" charset="0"/>
+            </a:endParaRPr>
           </a:p>
           <a:p>
             <a:r>
@@ -5692,51 +5479,23 @@
                 <a:latin typeface="Verdana" panose="020B0604030504040204" pitchFamily="34" charset="0"/>
                 <a:ea typeface="Verdana" panose="020B0604030504040204" pitchFamily="34" charset="0"/>
               </a:rPr>
-              <a:t>П</a:t>
-            </a:r>
-            <a:r>
-              <a:rPr lang="ru-RU" dirty="0" smtClean="0">
-                <a:latin typeface="Verdana" panose="020B0604030504040204" pitchFamily="34" charset="0"/>
-                <a:ea typeface="Verdana" panose="020B0604030504040204" pitchFamily="34" charset="0"/>
-              </a:rPr>
-              <a:t>оиск </a:t>
-            </a:r>
+              <a:t>Поиск решений путем использования генетических алгоритмов </a:t>
+            </a:r>
+            <a:r>
+              <a:rPr lang="ru-RU" b="1" dirty="0">
+                <a:latin typeface="Verdana" panose="020B0604030504040204" pitchFamily="34" charset="0"/>
+                <a:ea typeface="Verdana" panose="020B0604030504040204" pitchFamily="34" charset="0"/>
+              </a:rPr>
+              <a:t>является не самым популярным.</a:t>
+            </a:r>
+          </a:p>
+          <a:p>
             <a:r>
               <a:rPr lang="ru-RU" dirty="0">
                 <a:latin typeface="Verdana" panose="020B0604030504040204" pitchFamily="34" charset="0"/>
                 <a:ea typeface="Verdana" panose="020B0604030504040204" pitchFamily="34" charset="0"/>
               </a:rPr>
-              <a:t>решений путем использования генетических алгоритмов </a:t>
-            </a:r>
-            <a:r>
-              <a:rPr lang="ru-RU" b="1" dirty="0">
-                <a:latin typeface="Verdana" panose="020B0604030504040204" pitchFamily="34" charset="0"/>
-                <a:ea typeface="Verdana" panose="020B0604030504040204" pitchFamily="34" charset="0"/>
-              </a:rPr>
-              <a:t>является не самым популярным</a:t>
-            </a:r>
-            <a:r>
-              <a:rPr lang="ru-RU" b="1" dirty="0" smtClean="0">
-                <a:latin typeface="Verdana" panose="020B0604030504040204" pitchFamily="34" charset="0"/>
-                <a:ea typeface="Verdana" panose="020B0604030504040204" pitchFamily="34" charset="0"/>
-              </a:rPr>
-              <a:t>.</a:t>
-            </a:r>
-          </a:p>
-          <a:p>
-            <a:r>
-              <a:rPr lang="ru-RU" dirty="0" smtClean="0">
-                <a:latin typeface="Verdana" panose="020B0604030504040204" pitchFamily="34" charset="0"/>
-                <a:ea typeface="Verdana" panose="020B0604030504040204" pitchFamily="34" charset="0"/>
-              </a:rPr>
-              <a:t>Предложен эффективный </a:t>
-            </a:r>
-            <a:r>
-              <a:rPr lang="ru-RU" dirty="0">
-                <a:latin typeface="Verdana" panose="020B0604030504040204" pitchFamily="34" charset="0"/>
-                <a:ea typeface="Verdana" panose="020B0604030504040204" pitchFamily="34" charset="0"/>
-              </a:rPr>
-              <a:t>генетический алгоритм и его модификаций для поиска значений треугольников </a:t>
+              <a:t>Предложен эффективный генетический алгоритм и его модификаций для поиска значений треугольников </a:t>
             </a:r>
             <a:r>
               <a:rPr lang="ru-RU" dirty="0" err="1">
@@ -5775,13 +5534,6 @@
   <p:clrMapOvr>
     <a:masterClrMapping/>
   </p:clrMapOvr>
-  <p:timing>
-    <p:tnLst>
-      <p:par>
-        <p:cTn id="1" dur="indefinite" restart="never" nodeType="tmRoot"/>
-      </p:par>
-    </p:tnLst>
-  </p:timing>
 </p:sld>
 </file>
 
@@ -5818,16 +5570,12 @@
           <a:lstStyle/>
           <a:p>
             <a:r>
-              <a:rPr lang="ru-RU" dirty="0" smtClean="0">
+              <a:rPr lang="ru-RU" dirty="0">
                 <a:latin typeface="Verdana" panose="020B0604030504040204" pitchFamily="34" charset="0"/>
                 <a:ea typeface="Verdana" panose="020B0604030504040204" pitchFamily="34" charset="0"/>
               </a:rPr>
               <a:t>Постановка задачи</a:t>
             </a:r>
-            <a:endParaRPr lang="ru-RU" dirty="0">
-              <a:latin typeface="Verdana" panose="020B0604030504040204" pitchFamily="34" charset="0"/>
-              <a:ea typeface="Verdana" panose="020B0604030504040204" pitchFamily="34" charset="0"/>
-            </a:endParaRPr>
           </a:p>
         </p:txBody>
       </p:sp>
@@ -5872,7 +5620,7 @@
             <p:spPr>
               <a:xfrm>
                 <a:off x="838200" y="1690688"/>
-                <a:ext cx="5181600" cy="4351338"/>
+                <a:ext cx="6275332" cy="4351338"/>
               </a:xfrm>
             </p:spPr>
             <p:txBody>
@@ -5935,12 +5683,12 @@
             <p:spPr>
               <a:xfrm>
                 <a:off x="838200" y="1690688"/>
-                <a:ext cx="5181600" cy="4351338"/>
+                <a:ext cx="6275332" cy="4351338"/>
               </a:xfrm>
               <a:blipFill>
                 <a:blip r:embed="rId3"/>
                 <a:stretch>
-                  <a:fillRect l="-2471" t="-2521" r="-3882"/>
+                  <a:fillRect l="-2020" t="-2616"/>
                 </a:stretch>
               </a:blipFill>
             </p:spPr>
@@ -5969,13 +5717,6 @@
   <p:clrMapOvr>
     <a:masterClrMapping/>
   </p:clrMapOvr>
-  <p:timing>
-    <p:tnLst>
-      <p:par>
-        <p:cTn id="1" dur="indefinite" restart="never" nodeType="tmRoot"/>
-      </p:par>
-    </p:tnLst>
-  </p:timing>
 </p:sld>
 </file>
 
@@ -6012,16 +5753,12 @@
           <a:lstStyle/>
           <a:p>
             <a:r>
-              <a:rPr lang="ru-RU" dirty="0" smtClean="0">
+              <a:rPr lang="ru-RU" dirty="0">
                 <a:latin typeface="Verdana" panose="020B0604030504040204" pitchFamily="34" charset="0"/>
                 <a:ea typeface="Verdana" panose="020B0604030504040204" pitchFamily="34" charset="0"/>
               </a:rPr>
               <a:t>Методика работы</a:t>
             </a:r>
-            <a:endParaRPr lang="ru-RU" dirty="0">
-              <a:latin typeface="Verdana" panose="020B0604030504040204" pitchFamily="34" charset="0"/>
-              <a:ea typeface="Verdana" panose="020B0604030504040204" pitchFamily="34" charset="0"/>
-            </a:endParaRPr>
           </a:p>
         </p:txBody>
       </p:sp>
@@ -6046,40 +5783,40 @@
           <a:lstStyle/>
           <a:p>
             <a:r>
-              <a:rPr lang="ru-RU" dirty="0" smtClean="0"/>
+              <a:rPr lang="ru-RU" dirty="0"/>
               <a:t>Алгоритм написан на языке </a:t>
             </a:r>
             <a:r>
-              <a:rPr lang="en-US" dirty="0" smtClean="0"/>
+              <a:rPr lang="en-US" dirty="0"/>
               <a:t>C++</a:t>
             </a:r>
           </a:p>
           <a:p>
             <a:r>
-              <a:rPr lang="ru-RU" dirty="0" smtClean="0"/>
+              <a:rPr lang="ru-RU" dirty="0"/>
               <a:t>Были изучены работы других исследователей на данную тему</a:t>
             </a:r>
           </a:p>
           <a:p>
             <a:r>
-              <a:rPr lang="ru-RU" dirty="0" smtClean="0"/>
+              <a:rPr lang="ru-RU" dirty="0"/>
               <a:t>Была собрана статистика поведения различных генетических алгоритмов</a:t>
             </a:r>
           </a:p>
           <a:p>
             <a:r>
-              <a:rPr lang="ru-RU" dirty="0" smtClean="0"/>
+              <a:rPr lang="ru-RU" dirty="0"/>
               <a:t>Статистика проверялась по критерию </a:t>
             </a:r>
             <a:r>
-              <a:rPr lang="ru-RU" dirty="0" err="1" smtClean="0"/>
+              <a:rPr lang="ru-RU" dirty="0" err="1"/>
               <a:t>Уилкоксона</a:t>
             </a:r>
-            <a:endParaRPr lang="ru-RU" dirty="0" smtClean="0"/>
-          </a:p>
-          <a:p>
-            <a:r>
-              <a:rPr lang="ru-RU" dirty="0" smtClean="0"/>
+            <a:endParaRPr lang="ru-RU" dirty="0"/>
+          </a:p>
+          <a:p>
+            <a:r>
+              <a:rPr lang="ru-RU" dirty="0"/>
               <a:t>На основе наблюдений и статистики были написаны модификации</a:t>
             </a:r>
           </a:p>
@@ -6098,13 +5835,6 @@
   <p:clrMapOvr>
     <a:masterClrMapping/>
   </p:clrMapOvr>
-  <p:timing>
-    <p:tnLst>
-      <p:par>
-        <p:cTn id="1" dur="indefinite" restart="never" nodeType="tmRoot"/>
-      </p:par>
-    </p:tnLst>
-  </p:timing>
 </p:sld>
 </file>
 
@@ -6135,22 +5865,23 @@
             <p:ph type="title"/>
           </p:nvPr>
         </p:nvSpPr>
-        <p:spPr/>
+        <p:spPr>
+          <a:xfrm>
+            <a:off x="838200" y="365125"/>
+            <a:ext cx="7832836" cy="1325563"/>
+          </a:xfrm>
+        </p:spPr>
         <p:txBody>
           <a:bodyPr/>
           <a:lstStyle/>
           <a:p>
             <a:r>
-              <a:rPr lang="ru-RU" dirty="0" smtClean="0">
+              <a:rPr lang="ru-RU" dirty="0">
                 <a:latin typeface="Verdana" panose="020B0604030504040204" pitchFamily="34" charset="0"/>
                 <a:ea typeface="Verdana" panose="020B0604030504040204" pitchFamily="34" charset="0"/>
               </a:rPr>
               <a:t>Генетические алгоритмы</a:t>
             </a:r>
-            <a:endParaRPr lang="ru-RU" dirty="0">
-              <a:latin typeface="Verdana" panose="020B0604030504040204" pitchFamily="34" charset="0"/>
-              <a:ea typeface="Verdana" panose="020B0604030504040204" pitchFamily="34" charset="0"/>
-            </a:endParaRPr>
           </a:p>
         </p:txBody>
       </p:sp>
@@ -6166,8 +5897,8 @@
         </p:nvSpPr>
         <p:spPr>
           <a:xfrm>
-            <a:off x="838200" y="1825625"/>
-            <a:ext cx="7391400" cy="4351338"/>
+            <a:off x="838199" y="1825625"/>
+            <a:ext cx="7832835" cy="4351338"/>
           </a:xfrm>
         </p:spPr>
         <p:txBody>
@@ -6177,7 +5908,7 @@
           <a:lstStyle/>
           <a:p>
             <a:r>
-              <a:rPr lang="ru-RU" dirty="0" smtClean="0">
+              <a:rPr lang="ru-RU" dirty="0">
                 <a:latin typeface="Verdana" panose="020B0604030504040204" pitchFamily="34" charset="0"/>
                 <a:ea typeface="Verdana" panose="020B0604030504040204" pitchFamily="34" charset="0"/>
               </a:rPr>
@@ -6186,7 +5917,7 @@
           </a:p>
           <a:p>
             <a:r>
-              <a:rPr lang="ru-RU" dirty="0" smtClean="0">
+              <a:rPr lang="ru-RU" dirty="0">
                 <a:latin typeface="Verdana" panose="020B0604030504040204" pitchFamily="34" charset="0"/>
                 <a:ea typeface="Verdana" panose="020B0604030504040204" pitchFamily="34" charset="0"/>
               </a:rPr>
@@ -6223,8 +5954,8 @@
         </p:blipFill>
         <p:spPr bwMode="auto">
           <a:xfrm>
-            <a:off x="8938901" y="1690687"/>
-            <a:ext cx="2414899" cy="4838299"/>
+            <a:off x="8671035" y="365125"/>
+            <a:ext cx="2682766" cy="6127750"/>
           </a:xfrm>
           <a:prstGeom prst="rect">
             <a:avLst/>
@@ -6245,13 +5976,6 @@
   <p:clrMapOvr>
     <a:masterClrMapping/>
   </p:clrMapOvr>
-  <p:timing>
-    <p:tnLst>
-      <p:par>
-        <p:cTn id="1" dur="indefinite" restart="never" nodeType="tmRoot"/>
-      </p:par>
-    </p:tnLst>
-  </p:timing>
 </p:sld>
 </file>
 
@@ -6293,16 +6017,12 @@
           <a:lstStyle/>
           <a:p>
             <a:r>
-              <a:rPr lang="ru-RU" dirty="0" smtClean="0">
+              <a:rPr lang="ru-RU" dirty="0">
                 <a:latin typeface="Verdana" panose="020B0604030504040204" pitchFamily="34" charset="0"/>
                 <a:ea typeface="Verdana" panose="020B0604030504040204" pitchFamily="34" charset="0"/>
               </a:rPr>
               <a:t>Мутация</a:t>
             </a:r>
-            <a:endParaRPr lang="ru-RU" dirty="0">
-              <a:latin typeface="Verdana" panose="020B0604030504040204" pitchFamily="34" charset="0"/>
-              <a:ea typeface="Verdana" panose="020B0604030504040204" pitchFamily="34" charset="0"/>
-            </a:endParaRPr>
           </a:p>
         </p:txBody>
       </p:sp>
@@ -6318,7 +6038,7 @@
         </p:nvSpPr>
         <p:spPr>
           <a:xfrm>
-            <a:off x="616267" y="2506661"/>
+            <a:off x="616267" y="2422578"/>
             <a:ext cx="5181600" cy="4351338"/>
           </a:xfrm>
         </p:spPr>
@@ -6332,14 +6052,14 @@
               <a:buNone/>
             </a:pPr>
             <a:r>
-              <a:rPr lang="ru-RU" sz="1400" dirty="0" smtClean="0">
+              <a:rPr lang="ru-RU" sz="1400" dirty="0">
                 <a:latin typeface="Verdana" panose="020B0604030504040204" pitchFamily="34" charset="0"/>
                 <a:ea typeface="Verdana" panose="020B0604030504040204" pitchFamily="34" charset="0"/>
               </a:rPr>
               <a:t>В бинарном представлении</a:t>
             </a:r>
             <a:r>
-              <a:rPr lang="en-US" sz="1400" dirty="0" smtClean="0">
+              <a:rPr lang="en-US" sz="1400" dirty="0">
                 <a:latin typeface="Verdana" panose="020B0604030504040204" pitchFamily="34" charset="0"/>
                 <a:ea typeface="Verdana" panose="020B0604030504040204" pitchFamily="34" charset="0"/>
               </a:rPr>
@@ -6371,8 +6091,8 @@
             </p:nvSpPr>
             <p:spPr>
               <a:xfrm>
-                <a:off x="6096000" y="2506662"/>
-                <a:ext cx="6096000" cy="4351338"/>
+                <a:off x="6662895" y="2344392"/>
+                <a:ext cx="5035867" cy="4351338"/>
               </a:xfrm>
             </p:spPr>
             <p:txBody>
@@ -6385,20 +6105,20 @@
                   <a:buNone/>
                 </a:pPr>
                 <a:r>
-                  <a:rPr lang="ru-RU" sz="1400" dirty="0" smtClean="0">
+                  <a:rPr lang="ru-RU" sz="1400" dirty="0">
                     <a:latin typeface="Verdana" panose="020B0604030504040204" pitchFamily="34" charset="0"/>
                     <a:ea typeface="Verdana" panose="020B0604030504040204" pitchFamily="34" charset="0"/>
                   </a:rPr>
                   <a:t>В вещественной представлении</a:t>
                 </a:r>
                 <a:r>
-                  <a:rPr lang="en-US" sz="1400" dirty="0" smtClean="0">
+                  <a:rPr lang="en-US" sz="1400" dirty="0">
                     <a:latin typeface="Verdana" panose="020B0604030504040204" pitchFamily="34" charset="0"/>
                     <a:ea typeface="Verdana" panose="020B0604030504040204" pitchFamily="34" charset="0"/>
                   </a:rPr>
                   <a:t>:</a:t>
                 </a:r>
-                <a:endParaRPr lang="ru-RU" sz="1400" dirty="0" smtClean="0">
+                <a:endParaRPr lang="ru-RU" sz="1400" dirty="0">
                   <a:latin typeface="Verdana" panose="020B0604030504040204" pitchFamily="34" charset="0"/>
                   <a:ea typeface="Verdana" panose="020B0604030504040204" pitchFamily="34" charset="0"/>
                 </a:endParaRPr>
@@ -6407,7 +6127,7 @@
                 <a:pPr marL="0" indent="0">
                   <a:buNone/>
                 </a:pPr>
-                <a:endParaRPr lang="ru-RU" sz="1400" dirty="0" smtClean="0">
+                <a:endParaRPr lang="ru-RU" sz="1400" dirty="0">
                   <a:latin typeface="Verdana" panose="020B0604030504040204" pitchFamily="34" charset="0"/>
                   <a:ea typeface="Verdana" panose="020B0604030504040204" pitchFamily="34" charset="0"/>
                 </a:endParaRPr>
@@ -6727,7 +6447,7 @@
                   </m:oMath>
                 </a14:m>
                 <a:r>
-                  <a:rPr lang="ru-RU" sz="1400" dirty="0" smtClean="0">
+                  <a:rPr lang="ru-RU" sz="1400" dirty="0">
                     <a:latin typeface="Verdana" panose="020B0604030504040204" pitchFamily="34" charset="0"/>
                     <a:ea typeface="Verdana" panose="020B0604030504040204" pitchFamily="34" charset="0"/>
                   </a:rPr>
@@ -6748,7 +6468,7 @@
                   <a:buNone/>
                 </a:pPr>
                 <a:r>
-                  <a:rPr lang="ru-RU" sz="1400" dirty="0" smtClean="0">
+                  <a:rPr lang="ru-RU" sz="1400" dirty="0">
                     <a:latin typeface="Verdana" panose="020B0604030504040204" pitchFamily="34" charset="0"/>
                     <a:ea typeface="Verdana" panose="020B0604030504040204" pitchFamily="34" charset="0"/>
                   </a:rPr>
@@ -6935,19 +6655,8 @@
                     <a:latin typeface="Verdana" panose="020B0604030504040204" pitchFamily="34" charset="0"/>
                     <a:ea typeface="Verdana" panose="020B0604030504040204" pitchFamily="34" charset="0"/>
                   </a:rPr>
-                  <a:t> – число, отвечающее за степень </a:t>
+                  <a:t> – число, отвечающее за степень неоднородности</a:t>
                 </a:r>
-                <a:r>
-                  <a:rPr lang="ru-RU" sz="1400" dirty="0" smtClean="0">
-                    <a:latin typeface="Verdana" panose="020B0604030504040204" pitchFamily="34" charset="0"/>
-                    <a:ea typeface="Verdana" panose="020B0604030504040204" pitchFamily="34" charset="0"/>
-                  </a:rPr>
-                  <a:t>неоднородности</a:t>
-                </a:r>
-                <a:endParaRPr lang="ru-RU" sz="1400" dirty="0">
-                  <a:latin typeface="Verdana" panose="020B0604030504040204" pitchFamily="34" charset="0"/>
-                  <a:ea typeface="Verdana" panose="020B0604030504040204" pitchFamily="34" charset="0"/>
-                </a:endParaRPr>
               </a:p>
             </p:txBody>
           </p:sp>
@@ -6965,13 +6674,13 @@
             </p:nvSpPr>
             <p:spPr>
               <a:xfrm>
-                <a:off x="6096000" y="2506662"/>
-                <a:ext cx="6096000" cy="4351338"/>
+                <a:off x="6662895" y="2344392"/>
+                <a:ext cx="5035867" cy="4351338"/>
               </a:xfrm>
               <a:blipFill>
                 <a:blip r:embed="rId2"/>
                 <a:stretch>
-                  <a:fillRect l="-6300" t="-9944" b="-280"/>
+                  <a:fillRect l="-7538" t="-10174"/>
                 </a:stretch>
               </a:blipFill>
             </p:spPr>
@@ -7013,7 +6722,7 @@
         </p:blipFill>
         <p:spPr bwMode="auto">
           <a:xfrm>
-            <a:off x="7229792" y="307630"/>
+            <a:off x="7229792" y="226667"/>
             <a:ext cx="3902075" cy="1955800"/>
           </a:xfrm>
           <a:prstGeom prst="rect">
@@ -7060,7 +6769,7 @@
         </p:blipFill>
         <p:spPr>
           <a:xfrm>
-            <a:off x="318134" y="3007495"/>
+            <a:off x="616267" y="2845227"/>
             <a:ext cx="4756100" cy="3349669"/>
           </a:xfrm>
           <a:prstGeom prst="rect">
@@ -7078,13 +6787,6 @@
   <p:clrMapOvr>
     <a:masterClrMapping/>
   </p:clrMapOvr>
-  <p:timing>
-    <p:tnLst>
-      <p:par>
-        <p:cTn id="1" dur="indefinite" restart="never" nodeType="tmRoot"/>
-      </p:par>
-    </p:tnLst>
-  </p:timing>
 </p:sld>
 </file>
 
@@ -7121,16 +6823,12 @@
           <a:lstStyle/>
           <a:p>
             <a:r>
-              <a:rPr lang="ru-RU" dirty="0" smtClean="0">
+              <a:rPr lang="ru-RU" dirty="0">
                 <a:latin typeface="Verdana" panose="020B0604030504040204" pitchFamily="34" charset="0"/>
                 <a:ea typeface="Verdana" panose="020B0604030504040204" pitchFamily="34" charset="0"/>
               </a:rPr>
               <a:t>Селекция</a:t>
             </a:r>
-            <a:endParaRPr lang="ru-RU" dirty="0">
-              <a:latin typeface="Verdana" panose="020B0604030504040204" pitchFamily="34" charset="0"/>
-              <a:ea typeface="Verdana" panose="020B0604030504040204" pitchFamily="34" charset="0"/>
-            </a:endParaRPr>
           </a:p>
         </p:txBody>
       </p:sp>
@@ -7146,8 +6844,8 @@
         </p:nvSpPr>
         <p:spPr>
           <a:xfrm>
-            <a:off x="503005" y="5056101"/>
-            <a:ext cx="4351713" cy="521739"/>
+            <a:off x="503006" y="5056101"/>
+            <a:ext cx="2755584" cy="521739"/>
           </a:xfrm>
         </p:spPr>
         <p:txBody>
@@ -7160,16 +6858,12 @@
               <a:buNone/>
             </a:pPr>
             <a:r>
-              <a:rPr lang="ru-RU" sz="1800" dirty="0" smtClean="0">
+              <a:rPr lang="ru-RU" sz="1800" dirty="0">
                 <a:latin typeface="Verdana" panose="020B0604030504040204" pitchFamily="34" charset="0"/>
                 <a:ea typeface="Verdana" panose="020B0604030504040204" pitchFamily="34" charset="0"/>
               </a:rPr>
               <a:t>Турнирная селекция</a:t>
             </a:r>
-            <a:endParaRPr lang="ru-RU" sz="1800" dirty="0">
-              <a:latin typeface="Verdana" panose="020B0604030504040204" pitchFamily="34" charset="0"/>
-              <a:ea typeface="Verdana" panose="020B0604030504040204" pitchFamily="34" charset="0"/>
-            </a:endParaRPr>
           </a:p>
         </p:txBody>
       </p:sp>
@@ -7198,7 +6892,7 @@
         </p:blipFill>
         <p:spPr bwMode="auto">
           <a:xfrm>
-            <a:off x="503005" y="1825625"/>
+            <a:off x="503005" y="1801899"/>
             <a:ext cx="2755584" cy="2972752"/>
           </a:xfrm>
           <a:prstGeom prst="rect">
@@ -7233,7 +6927,7 @@
         </p:blipFill>
         <p:spPr bwMode="auto">
           <a:xfrm>
-            <a:off x="3462857" y="1690688"/>
+            <a:off x="3258589" y="1659370"/>
             <a:ext cx="4457355" cy="3172257"/>
           </a:xfrm>
           <a:prstGeom prst="rect">
@@ -7287,7 +6981,7 @@
         </p:blipFill>
         <p:spPr bwMode="auto">
           <a:xfrm>
-            <a:off x="8124480" y="1659370"/>
+            <a:off x="7715944" y="1659370"/>
             <a:ext cx="5292417" cy="3657600"/>
           </a:xfrm>
           <a:prstGeom prst="rect">
@@ -7328,13 +7022,6 @@
   <p:clrMapOvr>
     <a:masterClrMapping/>
   </p:clrMapOvr>
-  <p:timing>
-    <p:tnLst>
-      <p:par>
-        <p:cTn id="1" dur="indefinite" restart="never" nodeType="tmRoot"/>
-      </p:par>
-    </p:tnLst>
-  </p:timing>
 </p:sld>
 </file>
 
